--- a/gdi.pptx
+++ b/gdi.pptx
@@ -3194,7 +3194,7 @@
             </a:pPr>
             <a:r>
               <a:rPr/>
-              <a:t>2025-10-14</a:t>
+              <a:t>2025-10-15</a:t>
             </a:r>
           </a:p>
         </p:txBody>
@@ -3241,7 +3241,318 @@
             </a:pPr>
             <a:r>
               <a:rPr/>
-              <a:t>Was sind Daten? Was sind Informationen?</a:t>
+              <a:t>Was bedeutet “überprüfbar erreichen”?</a:t>
+            </a:r>
+          </a:p>
+        </p:txBody>
+      </p:sp>
+    </p:spTree>
+  </p:cSld>
+</p:sld>
+</file>
+
+<file path=ppt/slides/slide11.xml><?xml version="1.0" encoding="utf-8"?>
+<p:sld xmlns:a="http://schemas.openxmlformats.org/drawingml/2006/main" xmlns:r="http://schemas.openxmlformats.org/officeDocument/2006/relationships" xmlns:p="http://schemas.openxmlformats.org/presentationml/2006/main">
+  <p:cSld>
+    <p:spTree>
+      <p:nvGrpSpPr>
+        <p:cNvPr id="1" name=""/>
+        <p:cNvGrpSpPr/>
+        <p:nvPr/>
+      </p:nvGrpSpPr>
+      <p:grpSpPr>
+        <a:xfrm>
+          <a:off x="0" y="0"/>
+          <a:ext cx="0" cy="0"/>
+          <a:chOff x="0" y="0"/>
+          <a:chExt cx="0" cy="0"/>
+        </a:xfrm>
+      </p:grpSpPr>
+      <p:sp>
+        <p:nvSpPr>
+          <p:cNvPr id="2" name="Title 1"/>
+          <p:cNvSpPr>
+            <a:spLocks noGrp="1"/>
+          </p:cNvSpPr>
+          <p:nvPr>
+            <p:ph type="title"/>
+          </p:nvPr>
+        </p:nvSpPr>
+        <p:spPr/>
+        <p:txBody>
+          <a:bodyPr/>
+          <a:lstStyle/>
+          <a:p>
+            <a:pPr lvl="0" indent="0" marL="0">
+              <a:buNone/>
+            </a:pPr>
+            <a:r>
+              <a:rPr/>
+              <a:t>Was bedeutet…</a:t>
+            </a:r>
+          </a:p>
+        </p:txBody>
+      </p:sp>
+      <p:sp>
+        <p:nvSpPr>
+          <p:cNvPr id="3" name="Content Placeholder 2"/>
+          <p:cNvSpPr>
+            <a:spLocks noGrp="1"/>
+          </p:cNvSpPr>
+          <p:nvPr>
+            <p:ph idx="1"/>
+          </p:nvPr>
+        </p:nvSpPr>
+        <p:spPr/>
+        <p:txBody>
+          <a:bodyPr/>
+          <a:lstStyle/>
+          <a:p>
+            <a:pPr lvl="0"/>
+            <a:r>
+              <a:rPr/>
+              <a:t>“Prozesse und Strukturen in der Informations- und Medienwirtschaft implementieren und digitale Produkte konzipieren und entwickeln”?</a:t>
+            </a:r>
+          </a:p>
+          <a:p>
+            <a:pPr lvl="0"/>
+            <a:r>
+              <a:rPr/>
+              <a:t>“Informationen, Inhalte und Datenbestände erschließen, kuratieren, aufbereiten, lizenzieren und publizieren”?</a:t>
+            </a:r>
+          </a:p>
+          <a:p>
+            <a:pPr lvl="0"/>
+            <a:r>
+              <a:rPr/>
+              <a:t>“Daten, digitale Medien und Technologien zielgruppenspezifisch vermitteln und kommunizieren”?</a:t>
+            </a:r>
+          </a:p>
+        </p:txBody>
+      </p:sp>
+    </p:spTree>
+  </p:cSld>
+  <p:timing>
+    <p:tnLst>
+      <p:par>
+        <p:cTn id="1" dur="indefinite" restart="never" nodeType="tmRoot">
+          <p:childTnLst>
+            <p:seq concurrent="1" nextAc="seek">
+              <p:cTn id="2" dur="indefinite" nodeType="mainSeq">
+                <p:childTnLst>
+                  <p:par>
+                    <p:cTn id="3" fill="hold">
+                      <p:stCondLst>
+                        <p:cond delay="indefinite"/>
+                      </p:stCondLst>
+                      <p:childTnLst>
+                        <p:par>
+                          <p:cTn id="4" fill="hold">
+                            <p:stCondLst>
+                              <p:cond delay="0"/>
+                            </p:stCondLst>
+                            <p:childTnLst>
+                              <p:par>
+                                <p:cTn id="5" presetID="1" presetClass="entr" presetSubtype="0" fill="hold" grpId="0" nodeType="clickEffect">
+                                  <p:stCondLst>
+                                    <p:cond delay="0"/>
+                                  </p:stCondLst>
+                                  <p:childTnLst>
+                                    <p:set>
+                                      <p:cBhvr>
+                                        <p:cTn id="6" dur="1" fill="hold">
+                                          <p:stCondLst>
+                                            <p:cond delay="0"/>
+                                          </p:stCondLst>
+                                        </p:cTn>
+                                        <p:tgtEl>
+                                          <p:spTgt spid="3">
+                                            <p:txEl>
+                                              <p:pRg st="0" end="0"/>
+                                            </p:txEl>
+                                          </p:spTgt>
+                                        </p:tgtEl>
+                                        <p:attrNameLst>
+                                          <p:attrName>style.visibility</p:attrName>
+                                        </p:attrNameLst>
+                                      </p:cBhvr>
+                                      <p:to>
+                                        <p:strVal val="visible"/>
+                                      </p:to>
+                                    </p:set>
+                                  </p:childTnLst>
+                                </p:cTn>
+                              </p:par>
+                            </p:childTnLst>
+                          </p:cTn>
+                        </p:par>
+                      </p:childTnLst>
+                    </p:cTn>
+                  </p:par>
+                  <p:par>
+                    <p:cTn id="7" fill="hold">
+                      <p:stCondLst>
+                        <p:cond delay="indefinite"/>
+                      </p:stCondLst>
+                      <p:childTnLst>
+                        <p:par>
+                          <p:cTn id="8" fill="hold">
+                            <p:stCondLst>
+                              <p:cond delay="0"/>
+                            </p:stCondLst>
+                            <p:childTnLst>
+                              <p:par>
+                                <p:cTn id="9" presetID="1" presetClass="entr" presetSubtype="0" fill="hold" grpId="0" nodeType="clickEffect">
+                                  <p:stCondLst>
+                                    <p:cond delay="0"/>
+                                  </p:stCondLst>
+                                  <p:childTnLst>
+                                    <p:set>
+                                      <p:cBhvr>
+                                        <p:cTn id="10" dur="1" fill="hold">
+                                          <p:stCondLst>
+                                            <p:cond delay="0"/>
+                                          </p:stCondLst>
+                                        </p:cTn>
+                                        <p:tgtEl>
+                                          <p:spTgt spid="3">
+                                            <p:txEl>
+                                              <p:pRg st="1" end="1"/>
+                                            </p:txEl>
+                                          </p:spTgt>
+                                        </p:tgtEl>
+                                        <p:attrNameLst>
+                                          <p:attrName>style.visibility</p:attrName>
+                                        </p:attrNameLst>
+                                      </p:cBhvr>
+                                      <p:to>
+                                        <p:strVal val="visible"/>
+                                      </p:to>
+                                    </p:set>
+                                  </p:childTnLst>
+                                </p:cTn>
+                              </p:par>
+                            </p:childTnLst>
+                          </p:cTn>
+                        </p:par>
+                      </p:childTnLst>
+                    </p:cTn>
+                  </p:par>
+                  <p:par>
+                    <p:cTn id="11" fill="hold">
+                      <p:stCondLst>
+                        <p:cond delay="indefinite"/>
+                      </p:stCondLst>
+                      <p:childTnLst>
+                        <p:par>
+                          <p:cTn id="12" fill="hold">
+                            <p:stCondLst>
+                              <p:cond delay="0"/>
+                            </p:stCondLst>
+                            <p:childTnLst>
+                              <p:par>
+                                <p:cTn id="13" presetID="1" presetClass="entr" presetSubtype="0" fill="hold" grpId="0" nodeType="clickEffect">
+                                  <p:stCondLst>
+                                    <p:cond delay="0"/>
+                                  </p:stCondLst>
+                                  <p:childTnLst>
+                                    <p:set>
+                                      <p:cBhvr>
+                                        <p:cTn id="14" dur="1" fill="hold">
+                                          <p:stCondLst>
+                                            <p:cond delay="0"/>
+                                          </p:stCondLst>
+                                        </p:cTn>
+                                        <p:tgtEl>
+                                          <p:spTgt spid="3">
+                                            <p:txEl>
+                                              <p:pRg st="2" end="2"/>
+                                            </p:txEl>
+                                          </p:spTgt>
+                                        </p:tgtEl>
+                                        <p:attrNameLst>
+                                          <p:attrName>style.visibility</p:attrName>
+                                        </p:attrNameLst>
+                                      </p:cBhvr>
+                                      <p:to>
+                                        <p:strVal val="visible"/>
+                                      </p:to>
+                                    </p:set>
+                                  </p:childTnLst>
+                                </p:cTn>
+                              </p:par>
+                            </p:childTnLst>
+                          </p:cTn>
+                        </p:par>
+                      </p:childTnLst>
+                    </p:cTn>
+                  </p:par>
+                </p:childTnLst>
+              </p:cTn>
+              <p:prevCondLst>
+                <p:cond evt="onPrev" delay="0">
+                  <p:tgtEl>
+                    <p:sldTgt/>
+                  </p:tgtEl>
+                </p:cond>
+              </p:prevCondLst>
+              <p:nextCondLst>
+                <p:cond evt="onNext" delay="0">
+                  <p:tgtEl>
+                    <p:sldTgt/>
+                  </p:tgtEl>
+                </p:cond>
+              </p:nextCondLst>
+            </p:seq>
+          </p:childTnLst>
+        </p:cTn>
+      </p:par>
+    </p:tnLst>
+    <p:bldLst>
+      <p:bldP spid="3" grpId="0" uiExpand="1" build="p"/>
+    </p:bldLst>
+  </p:timing>
+</p:sld>
+</file>
+
+<file path=ppt/slides/slide12.xml><?xml version="1.0" encoding="utf-8"?>
+<p:sld xmlns:a="http://schemas.openxmlformats.org/drawingml/2006/main" xmlns:r="http://schemas.openxmlformats.org/officeDocument/2006/relationships" xmlns:p="http://schemas.openxmlformats.org/presentationml/2006/main">
+  <p:cSld>
+    <p:spTree>
+      <p:nvGrpSpPr>
+        <p:cNvPr id="1" name=""/>
+        <p:cNvGrpSpPr/>
+        <p:nvPr/>
+      </p:nvGrpSpPr>
+      <p:grpSpPr>
+        <a:xfrm>
+          <a:off x="0" y="0"/>
+          <a:ext cx="0" cy="0"/>
+          <a:chOff x="0" y="0"/>
+          <a:chExt cx="0" cy="0"/>
+        </a:xfrm>
+      </p:grpSpPr>
+      <p:sp>
+        <p:nvSpPr>
+          <p:cNvPr id="2" name="Title 1"/>
+          <p:cNvSpPr>
+            <a:spLocks noGrp="1"/>
+          </p:cNvSpPr>
+          <p:nvPr>
+            <p:ph type="title"/>
+          </p:nvPr>
+        </p:nvSpPr>
+        <p:spPr/>
+        <p:txBody>
+          <a:bodyPr/>
+          <a:lstStyle/>
+          <a:p>
+            <a:pPr lvl="0" indent="0" marL="0">
+              <a:buNone/>
+            </a:pPr>
+            <a:r>
+              <a:rPr/>
+              <a:t>Was sind Daten überhaupt?</a:t>
             </a:r>
           </a:p>
         </p:txBody>
@@ -3692,7 +4003,84 @@
 </p:sld>
 </file>
 
-<file path=ppt/slides/slide11.xml><?xml version="1.0" encoding="utf-8"?>
+<file path=ppt/slides/slide13.xml><?xml version="1.0" encoding="utf-8"?>
+<p:sld xmlns:a="http://schemas.openxmlformats.org/drawingml/2006/main" xmlns:r="http://schemas.openxmlformats.org/officeDocument/2006/relationships" xmlns:p="http://schemas.openxmlformats.org/presentationml/2006/main">
+  <p:cSld>
+    <p:spTree>
+      <p:nvGrpSpPr>
+        <p:cNvPr id="1" name=""/>
+        <p:cNvGrpSpPr/>
+        <p:nvPr/>
+      </p:nvGrpSpPr>
+      <p:grpSpPr>
+        <a:xfrm>
+          <a:off x="0" y="0"/>
+          <a:ext cx="0" cy="0"/>
+          <a:chOff x="0" y="0"/>
+          <a:chExt cx="0" cy="0"/>
+        </a:xfrm>
+      </p:grpSpPr>
+      <p:sp>
+        <p:nvSpPr>
+          <p:cNvPr id="2" name="Title 1"/>
+          <p:cNvSpPr>
+            <a:spLocks noGrp="1"/>
+          </p:cNvSpPr>
+          <p:nvPr>
+            <p:ph type="title"/>
+          </p:nvPr>
+        </p:nvSpPr>
+        <p:spPr/>
+        <p:txBody>
+          <a:bodyPr/>
+          <a:lstStyle/>
+          <a:p>
+            <a:pPr lvl="0" indent="0" marL="0">
+              <a:buNone/>
+            </a:pPr>
+            <a:r>
+              <a:rPr/>
+              <a:t>Datenkompetenz nach Ridsdale et al</a:t>
+            </a:r>
+          </a:p>
+        </p:txBody>
+      </p:sp>
+      <p:pic>
+        <p:nvPicPr>
+          <p:cNvPr descr="images/Ridsdale.png" id="0" name="Picture 1"/>
+          <p:cNvPicPr>
+            <a:picLocks noGrp="1" noChangeAspect="1"/>
+          </p:cNvPicPr>
+          <p:nvPr/>
+        </p:nvPicPr>
+        <p:blipFill>
+          <a:blip r:embed="rId2"/>
+          <a:stretch>
+            <a:fillRect/>
+          </a:stretch>
+        </p:blipFill>
+        <p:spPr bwMode="auto">
+          <a:xfrm>
+            <a:off x="2171700" y="1193800"/>
+            <a:ext cx="4800600" cy="3390900"/>
+          </a:xfrm>
+          <a:prstGeom prst="rect">
+            <a:avLst/>
+          </a:prstGeom>
+          <a:noFill/>
+          <a:ln w="9525">
+            <a:noFill/>
+            <a:headEnd/>
+            <a:tailEnd/>
+          </a:ln>
+        </p:spPr>
+      </p:pic>
+    </p:spTree>
+  </p:cSld>
+</p:sld>
+</file>
+
+<file path=ppt/slides/slide14.xml><?xml version="1.0" encoding="utf-8"?>
 <p:sld xmlns:a="http://schemas.openxmlformats.org/drawingml/2006/main" xmlns:r="http://schemas.openxmlformats.org/officeDocument/2006/relationships" xmlns:p="http://schemas.openxmlformats.org/presentationml/2006/main">
   <p:cSld>
     <p:spTree>
@@ -3769,84 +4157,7 @@
 </p:sld>
 </file>
 
-<file path=ppt/slides/slide12.xml><?xml version="1.0" encoding="utf-8"?>
-<p:sld xmlns:a="http://schemas.openxmlformats.org/drawingml/2006/main" xmlns:r="http://schemas.openxmlformats.org/officeDocument/2006/relationships" xmlns:p="http://schemas.openxmlformats.org/presentationml/2006/main">
-  <p:cSld>
-    <p:spTree>
-      <p:nvGrpSpPr>
-        <p:cNvPr id="1" name=""/>
-        <p:cNvGrpSpPr/>
-        <p:nvPr/>
-      </p:nvGrpSpPr>
-      <p:grpSpPr>
-        <a:xfrm>
-          <a:off x="0" y="0"/>
-          <a:ext cx="0" cy="0"/>
-          <a:chOff x="0" y="0"/>
-          <a:chExt cx="0" cy="0"/>
-        </a:xfrm>
-      </p:grpSpPr>
-      <p:sp>
-        <p:nvSpPr>
-          <p:cNvPr id="2" name="Title 1"/>
-          <p:cNvSpPr>
-            <a:spLocks noGrp="1"/>
-          </p:cNvSpPr>
-          <p:nvPr>
-            <p:ph type="title"/>
-          </p:nvPr>
-        </p:nvSpPr>
-        <p:spPr/>
-        <p:txBody>
-          <a:bodyPr/>
-          <a:lstStyle/>
-          <a:p>
-            <a:pPr lvl="0" indent="0" marL="0">
-              <a:buNone/>
-            </a:pPr>
-            <a:r>
-              <a:rPr/>
-              <a:t>Daten oder Informationen?</a:t>
-            </a:r>
-          </a:p>
-        </p:txBody>
-      </p:sp>
-      <p:pic>
-        <p:nvPicPr>
-          <p:cNvPr descr="images/daten-oder-informationen.png" id="0" name="Picture 1"/>
-          <p:cNvPicPr>
-            <a:picLocks noGrp="1" noChangeAspect="1"/>
-          </p:cNvPicPr>
-          <p:nvPr/>
-        </p:nvPicPr>
-        <p:blipFill>
-          <a:blip r:embed="rId2"/>
-          <a:stretch>
-            <a:fillRect/>
-          </a:stretch>
-        </p:blipFill>
-        <p:spPr bwMode="auto">
-          <a:xfrm>
-            <a:off x="1854200" y="1193800"/>
-            <a:ext cx="5448300" cy="3390900"/>
-          </a:xfrm>
-          <a:prstGeom prst="rect">
-            <a:avLst/>
-          </a:prstGeom>
-          <a:noFill/>
-          <a:ln w="9525">
-            <a:noFill/>
-            <a:headEnd/>
-            <a:tailEnd/>
-          </a:ln>
-        </p:spPr>
-      </p:pic>
-    </p:spTree>
-  </p:cSld>
-</p:sld>
-</file>
-
-<file path=ppt/slides/slide13.xml><?xml version="1.0" encoding="utf-8"?>
+<file path=ppt/slides/slide15.xml><?xml version="1.0" encoding="utf-8"?>
 <p:sld xmlns:a="http://schemas.openxmlformats.org/drawingml/2006/main" xmlns:r="http://schemas.openxmlformats.org/officeDocument/2006/relationships" xmlns:p="http://schemas.openxmlformats.org/presentationml/2006/main">
   <p:cSld>
     <p:spTree>
@@ -3923,215 +4234,7 @@
 </p:sld>
 </file>
 
-<file path=ppt/slides/slide14.xml><?xml version="1.0" encoding="utf-8"?>
-<p:sld xmlns:a="http://schemas.openxmlformats.org/drawingml/2006/main" xmlns:r="http://schemas.openxmlformats.org/officeDocument/2006/relationships" xmlns:p="http://schemas.openxmlformats.org/presentationml/2006/main">
-  <p:cSld>
-    <p:spTree>
-      <p:nvGrpSpPr>
-        <p:cNvPr id="1" name=""/>
-        <p:cNvGrpSpPr/>
-        <p:nvPr/>
-      </p:nvGrpSpPr>
-      <p:grpSpPr>
-        <a:xfrm>
-          <a:off x="0" y="0"/>
-          <a:ext cx="0" cy="0"/>
-          <a:chOff x="0" y="0"/>
-          <a:chExt cx="0" cy="0"/>
-        </a:xfrm>
-      </p:grpSpPr>
-      <p:sp>
-        <p:nvSpPr>
-          <p:cNvPr id="2" name="Title 1"/>
-          <p:cNvSpPr>
-            <a:spLocks noGrp="1"/>
-          </p:cNvSpPr>
-          <p:nvPr>
-            <p:ph type="title"/>
-          </p:nvPr>
-        </p:nvSpPr>
-        <p:spPr/>
-        <p:txBody>
-          <a:bodyPr/>
-          <a:lstStyle/>
-          <a:p>
-            <a:pPr lvl="0" indent="0" marL="0">
-              <a:buNone/>
-            </a:pPr>
-            <a:r>
-              <a:rPr/>
-              <a:t>Woraus entsteht eine Aktion?</a:t>
-            </a:r>
-          </a:p>
-        </p:txBody>
-      </p:sp>
-      <p:sp>
-        <p:nvSpPr>
-          <p:cNvPr id="3" name="Content Placeholder 2"/>
-          <p:cNvSpPr>
-            <a:spLocks noGrp="1"/>
-          </p:cNvSpPr>
-          <p:nvPr>
-            <p:ph idx="1"/>
-          </p:nvPr>
-        </p:nvSpPr>
-        <p:spPr/>
-        <p:txBody>
-          <a:bodyPr/>
-          <a:lstStyle/>
-          <a:p>
-            <a:pPr lvl="0"/>
-            <a:r>
-              <a:rPr/>
-              <a:t>Über KPIs, Metriken und Ziele</a:t>
-            </a:r>
-          </a:p>
-          <a:p>
-            <a:pPr lvl="0"/>
-            <a:r>
-              <a:rPr/>
-              <a:t>Ohne Ziele keine Aktion</a:t>
-            </a:r>
-          </a:p>
-        </p:txBody>
-      </p:sp>
-    </p:spTree>
-  </p:cSld>
-  <p:timing>
-    <p:tnLst>
-      <p:par>
-        <p:cTn id="1" dur="indefinite" restart="never" nodeType="tmRoot">
-          <p:childTnLst>
-            <p:seq concurrent="1" nextAc="seek">
-              <p:cTn id="2" dur="indefinite" nodeType="mainSeq">
-                <p:childTnLst>
-                  <p:par>
-                    <p:cTn id="3" fill="hold">
-                      <p:stCondLst>
-                        <p:cond delay="indefinite"/>
-                      </p:stCondLst>
-                      <p:childTnLst>
-                        <p:par>
-                          <p:cTn id="4" fill="hold">
-                            <p:stCondLst>
-                              <p:cond delay="0"/>
-                            </p:stCondLst>
-                            <p:childTnLst>
-                              <p:par>
-                                <p:cTn id="5" presetID="1" presetClass="entr" presetSubtype="0" fill="hold" grpId="0" nodeType="clickEffect">
-                                  <p:stCondLst>
-                                    <p:cond delay="0"/>
-                                  </p:stCondLst>
-                                  <p:childTnLst>
-                                    <p:set>
-                                      <p:cBhvr>
-                                        <p:cTn id="6" dur="1" fill="hold">
-                                          <p:stCondLst>
-                                            <p:cond delay="0"/>
-                                          </p:stCondLst>
-                                        </p:cTn>
-                                        <p:tgtEl>
-                                          <p:spTgt spid="3">
-                                            <p:txEl>
-                                              <p:pRg st="0" end="0"/>
-                                            </p:txEl>
-                                          </p:spTgt>
-                                        </p:tgtEl>
-                                        <p:attrNameLst>
-                                          <p:attrName>style.visibility</p:attrName>
-                                        </p:attrNameLst>
-                                      </p:cBhvr>
-                                      <p:to>
-                                        <p:strVal val="visible"/>
-                                      </p:to>
-                                    </p:set>
-                                  </p:childTnLst>
-                                </p:cTn>
-                              </p:par>
-                            </p:childTnLst>
-                          </p:cTn>
-                        </p:par>
-                      </p:childTnLst>
-                    </p:cTn>
-                  </p:par>
-                  <p:par>
-                    <p:cTn id="7" fill="hold">
-                      <p:stCondLst>
-                        <p:cond delay="indefinite"/>
-                      </p:stCondLst>
-                      <p:childTnLst>
-                        <p:par>
-                          <p:cTn id="8" fill="hold">
-                            <p:stCondLst>
-                              <p:cond delay="0"/>
-                            </p:stCondLst>
-                            <p:childTnLst>
-                              <p:par>
-                                <p:cTn id="9" presetID="1" presetClass="entr" presetSubtype="0" fill="hold" grpId="0" nodeType="clickEffect">
-                                  <p:stCondLst>
-                                    <p:cond delay="0"/>
-                                  </p:stCondLst>
-                                  <p:childTnLst>
-                                    <p:set>
-                                      <p:cBhvr>
-                                        <p:cTn id="10" dur="1" fill="hold">
-                                          <p:stCondLst>
-                                            <p:cond delay="0"/>
-                                          </p:stCondLst>
-                                        </p:cTn>
-                                        <p:tgtEl>
-                                          <p:spTgt spid="3">
-                                            <p:txEl>
-                                              <p:pRg st="1" end="1"/>
-                                            </p:txEl>
-                                          </p:spTgt>
-                                        </p:tgtEl>
-                                        <p:attrNameLst>
-                                          <p:attrName>style.visibility</p:attrName>
-                                        </p:attrNameLst>
-                                      </p:cBhvr>
-                                      <p:to>
-                                        <p:strVal val="visible"/>
-                                      </p:to>
-                                    </p:set>
-                                  </p:childTnLst>
-                                </p:cTn>
-                              </p:par>
-                            </p:childTnLst>
-                          </p:cTn>
-                        </p:par>
-                      </p:childTnLst>
-                    </p:cTn>
-                  </p:par>
-                </p:childTnLst>
-              </p:cTn>
-              <p:prevCondLst>
-                <p:cond evt="onPrev" delay="0">
-                  <p:tgtEl>
-                    <p:sldTgt/>
-                  </p:tgtEl>
-                </p:cond>
-              </p:prevCondLst>
-              <p:nextCondLst>
-                <p:cond evt="onNext" delay="0">
-                  <p:tgtEl>
-                    <p:sldTgt/>
-                  </p:tgtEl>
-                </p:cond>
-              </p:nextCondLst>
-            </p:seq>
-          </p:childTnLst>
-        </p:cTn>
-      </p:par>
-    </p:tnLst>
-    <p:bldLst>
-      <p:bldP spid="3" grpId="0" uiExpand="1" build="p"/>
-    </p:bldLst>
-  </p:timing>
-</p:sld>
-</file>
-
-<file path=ppt/slides/slide15.xml><?xml version="1.0" encoding="utf-8"?>
+<file path=ppt/slides/slide16.xml><?xml version="1.0" encoding="utf-8"?>
 <p:sld xmlns:a="http://schemas.openxmlformats.org/drawingml/2006/main" xmlns:r="http://schemas.openxmlformats.org/officeDocument/2006/relationships" xmlns:p="http://schemas.openxmlformats.org/presentationml/2006/main">
   <p:cSld>
     <p:spTree>
@@ -4208,222 +4311,6 @@
 </p:sld>
 </file>
 
-<file path=ppt/slides/slide16.xml><?xml version="1.0" encoding="utf-8"?>
-<p:sld xmlns:a="http://schemas.openxmlformats.org/drawingml/2006/main" xmlns:r="http://schemas.openxmlformats.org/officeDocument/2006/relationships" xmlns:p="http://schemas.openxmlformats.org/presentationml/2006/main">
-  <p:cSld>
-    <p:spTree>
-      <p:nvGrpSpPr>
-        <p:cNvPr id="1" name=""/>
-        <p:cNvGrpSpPr/>
-        <p:nvPr/>
-      </p:nvGrpSpPr>
-      <p:grpSpPr>
-        <a:xfrm>
-          <a:off x="0" y="0"/>
-          <a:ext cx="0" cy="0"/>
-          <a:chOff x="0" y="0"/>
-          <a:chExt cx="0" cy="0"/>
-        </a:xfrm>
-      </p:grpSpPr>
-      <p:sp>
-        <p:nvSpPr>
-          <p:cNvPr id="2" name="Title 1"/>
-          <p:cNvSpPr>
-            <a:spLocks noGrp="1"/>
-          </p:cNvSpPr>
-          <p:nvPr>
-            <p:ph type="title"/>
-          </p:nvPr>
-        </p:nvSpPr>
-        <p:spPr/>
-        <p:txBody>
-          <a:bodyPr/>
-          <a:lstStyle/>
-          <a:p>
-            <a:pPr lvl="0" indent="0" marL="0">
-              <a:buNone/>
-            </a:pPr>
-            <a:r>
-              <a:rPr/>
-              <a:t>Data Mining für Relevanz</a:t>
-            </a:r>
-          </a:p>
-        </p:txBody>
-      </p:sp>
-      <p:sp>
-        <p:nvSpPr>
-          <p:cNvPr id="3" name="Content Placeholder 2"/>
-          <p:cNvSpPr>
-            <a:spLocks noGrp="1"/>
-          </p:cNvSpPr>
-          <p:nvPr>
-            <p:ph idx="1"/>
-          </p:nvPr>
-        </p:nvSpPr>
-        <p:spPr/>
-        <p:txBody>
-          <a:bodyPr/>
-          <a:lstStyle/>
-          <a:p>
-            <a:pPr lvl="0"/>
-            <a:r>
-              <a:rPr b="1"/>
-              <a:t>Aufmerksamkeit als knappes Gut</a:t>
-            </a:r>
-            <a:r>
-              <a:rPr/>
-              <a:t>: In der „Attention Economy“ zahlen Nutzer*innen mit ihrer Aufmerksamkeit; Informationsüberflutung erfordert filternde Mechanismen.</a:t>
-            </a:r>
-          </a:p>
-          <a:p>
-            <a:pPr lvl="0"/>
-            <a:r>
-              <a:rPr b="1"/>
-              <a:t>Data Mining als Brücke</a:t>
-            </a:r>
-            <a:r>
-              <a:rPr/>
-              <a:t>: Data Mining extrahiert Muster und Korrelationen aus großen Datenmengen, um relevante Informationen zu erzeugen.</a:t>
-            </a:r>
-          </a:p>
-        </p:txBody>
-      </p:sp>
-    </p:spTree>
-  </p:cSld>
-  <p:timing>
-    <p:tnLst>
-      <p:par>
-        <p:cTn id="1" dur="indefinite" restart="never" nodeType="tmRoot">
-          <p:childTnLst>
-            <p:seq concurrent="1" nextAc="seek">
-              <p:cTn id="2" dur="indefinite" nodeType="mainSeq">
-                <p:childTnLst>
-                  <p:par>
-                    <p:cTn id="3" fill="hold">
-                      <p:stCondLst>
-                        <p:cond delay="indefinite"/>
-                      </p:stCondLst>
-                      <p:childTnLst>
-                        <p:par>
-                          <p:cTn id="4" fill="hold">
-                            <p:stCondLst>
-                              <p:cond delay="0"/>
-                            </p:stCondLst>
-                            <p:childTnLst>
-                              <p:par>
-                                <p:cTn id="5" presetID="1" presetClass="entr" presetSubtype="0" fill="hold" grpId="0" nodeType="clickEffect">
-                                  <p:stCondLst>
-                                    <p:cond delay="0"/>
-                                  </p:stCondLst>
-                                  <p:childTnLst>
-                                    <p:set>
-                                      <p:cBhvr>
-                                        <p:cTn id="6" dur="1" fill="hold">
-                                          <p:stCondLst>
-                                            <p:cond delay="0"/>
-                                          </p:stCondLst>
-                                        </p:cTn>
-                                        <p:tgtEl>
-                                          <p:spTgt spid="3">
-                                            <p:txEl>
-                                              <p:pRg st="0" end="0"/>
-                                            </p:txEl>
-                                          </p:spTgt>
-                                        </p:tgtEl>
-                                        <p:attrNameLst>
-                                          <p:attrName>style.visibility</p:attrName>
-                                        </p:attrNameLst>
-                                      </p:cBhvr>
-                                      <p:to>
-                                        <p:strVal val="visible"/>
-                                      </p:to>
-                                    </p:set>
-                                  </p:childTnLst>
-                                </p:cTn>
-                              </p:par>
-                            </p:childTnLst>
-                          </p:cTn>
-                        </p:par>
-                      </p:childTnLst>
-                    </p:cTn>
-                  </p:par>
-                  <p:par>
-                    <p:cTn id="7" fill="hold">
-                      <p:stCondLst>
-                        <p:cond delay="indefinite"/>
-                      </p:stCondLst>
-                      <p:childTnLst>
-                        <p:par>
-                          <p:cTn id="8" fill="hold">
-                            <p:stCondLst>
-                              <p:cond delay="0"/>
-                            </p:stCondLst>
-                            <p:childTnLst>
-                              <p:par>
-                                <p:cTn id="9" presetID="1" presetClass="entr" presetSubtype="0" fill="hold" grpId="0" nodeType="clickEffect">
-                                  <p:stCondLst>
-                                    <p:cond delay="0"/>
-                                  </p:stCondLst>
-                                  <p:childTnLst>
-                                    <p:set>
-                                      <p:cBhvr>
-                                        <p:cTn id="10" dur="1" fill="hold">
-                                          <p:stCondLst>
-                                            <p:cond delay="0"/>
-                                          </p:stCondLst>
-                                        </p:cTn>
-                                        <p:tgtEl>
-                                          <p:spTgt spid="3">
-                                            <p:txEl>
-                                              <p:pRg st="1" end="1"/>
-                                            </p:txEl>
-                                          </p:spTgt>
-                                        </p:tgtEl>
-                                        <p:attrNameLst>
-                                          <p:attrName>style.visibility</p:attrName>
-                                        </p:attrNameLst>
-                                      </p:cBhvr>
-                                      <p:to>
-                                        <p:strVal val="visible"/>
-                                      </p:to>
-                                    </p:set>
-                                  </p:childTnLst>
-                                </p:cTn>
-                              </p:par>
-                            </p:childTnLst>
-                          </p:cTn>
-                        </p:par>
-                      </p:childTnLst>
-                    </p:cTn>
-                  </p:par>
-                </p:childTnLst>
-              </p:cTn>
-              <p:prevCondLst>
-                <p:cond evt="onPrev" delay="0">
-                  <p:tgtEl>
-                    <p:sldTgt/>
-                  </p:tgtEl>
-                </p:cond>
-              </p:prevCondLst>
-              <p:nextCondLst>
-                <p:cond evt="onNext" delay="0">
-                  <p:tgtEl>
-                    <p:sldTgt/>
-                  </p:tgtEl>
-                </p:cond>
-              </p:nextCondLst>
-            </p:seq>
-          </p:childTnLst>
-        </p:cTn>
-      </p:par>
-    </p:tnLst>
-    <p:bldLst>
-      <p:bldP spid="3" grpId="0" uiExpand="1" build="p"/>
-    </p:bldLst>
-  </p:timing>
-</p:sld>
-</file>
-
 <file path=ppt/slides/slide17.xml><?xml version="1.0" encoding="utf-8"?>
 <p:sld xmlns:a="http://schemas.openxmlformats.org/drawingml/2006/main" xmlns:r="http://schemas.openxmlformats.org/officeDocument/2006/relationships" xmlns:p="http://schemas.openxmlformats.org/presentationml/2006/main">
   <p:cSld>
@@ -4461,7 +4348,7 @@
             </a:pPr>
             <a:r>
               <a:rPr/>
-              <a:t>Beispiel: Newsletter</a:t>
+              <a:t>Wie können wir Daten nutzen, um Relevanz zu erzeigen?</a:t>
             </a:r>
           </a:p>
         </p:txBody>
@@ -4483,15 +4370,23 @@
           <a:p>
             <a:pPr lvl="0"/>
             <a:r>
+              <a:rPr b="1"/>
+              <a:t>Aufmerksamkeit als knappes Gut</a:t>
+            </a:r>
+            <a:r>
               <a:rPr/>
-              <a:t>Was ist das Ziel/sind die Ziele eines Newsletters?</a:t>
+              <a:t>: In der „Attention Economy“ zahlen Nutzer*innen mit ihrer Aufmerksamkeit; Informationsüberflutung erfordert filternde Mechanismen.</a:t>
             </a:r>
           </a:p>
           <a:p>
             <a:pPr lvl="0"/>
             <a:r>
+              <a:rPr b="1"/>
+              <a:t>Data Mining als Brücke</a:t>
+            </a:r>
+            <a:r>
               <a:rPr/>
-              <a:t>Was sind mögliche KPIs?</a:t>
+              <a:t>: Data Mining extrahiert Muster und Korrelationen aus großen Datenmengen, um relevante Informationen zu erzeugen.</a:t>
             </a:r>
           </a:p>
         </p:txBody>
@@ -4669,6 +4564,214 @@
             </a:pPr>
             <a:r>
               <a:rPr/>
+              <a:t>Beispiel: Newsletter</a:t>
+            </a:r>
+          </a:p>
+        </p:txBody>
+      </p:sp>
+      <p:sp>
+        <p:nvSpPr>
+          <p:cNvPr id="3" name="Content Placeholder 2"/>
+          <p:cNvSpPr>
+            <a:spLocks noGrp="1"/>
+          </p:cNvSpPr>
+          <p:nvPr>
+            <p:ph idx="1"/>
+          </p:nvPr>
+        </p:nvSpPr>
+        <p:spPr/>
+        <p:txBody>
+          <a:bodyPr/>
+          <a:lstStyle/>
+          <a:p>
+            <a:pPr lvl="0"/>
+            <a:r>
+              <a:rPr/>
+              <a:t>Was ist das Ziel/sind die Ziele eines Newsletters?</a:t>
+            </a:r>
+          </a:p>
+          <a:p>
+            <a:pPr lvl="0"/>
+            <a:r>
+              <a:rPr/>
+              <a:t>Was sind mögliche KPIs?</a:t>
+            </a:r>
+          </a:p>
+        </p:txBody>
+      </p:sp>
+    </p:spTree>
+  </p:cSld>
+  <p:timing>
+    <p:tnLst>
+      <p:par>
+        <p:cTn id="1" dur="indefinite" restart="never" nodeType="tmRoot">
+          <p:childTnLst>
+            <p:seq concurrent="1" nextAc="seek">
+              <p:cTn id="2" dur="indefinite" nodeType="mainSeq">
+                <p:childTnLst>
+                  <p:par>
+                    <p:cTn id="3" fill="hold">
+                      <p:stCondLst>
+                        <p:cond delay="indefinite"/>
+                      </p:stCondLst>
+                      <p:childTnLst>
+                        <p:par>
+                          <p:cTn id="4" fill="hold">
+                            <p:stCondLst>
+                              <p:cond delay="0"/>
+                            </p:stCondLst>
+                            <p:childTnLst>
+                              <p:par>
+                                <p:cTn id="5" presetID="1" presetClass="entr" presetSubtype="0" fill="hold" grpId="0" nodeType="clickEffect">
+                                  <p:stCondLst>
+                                    <p:cond delay="0"/>
+                                  </p:stCondLst>
+                                  <p:childTnLst>
+                                    <p:set>
+                                      <p:cBhvr>
+                                        <p:cTn id="6" dur="1" fill="hold">
+                                          <p:stCondLst>
+                                            <p:cond delay="0"/>
+                                          </p:stCondLst>
+                                        </p:cTn>
+                                        <p:tgtEl>
+                                          <p:spTgt spid="3">
+                                            <p:txEl>
+                                              <p:pRg st="0" end="0"/>
+                                            </p:txEl>
+                                          </p:spTgt>
+                                        </p:tgtEl>
+                                        <p:attrNameLst>
+                                          <p:attrName>style.visibility</p:attrName>
+                                        </p:attrNameLst>
+                                      </p:cBhvr>
+                                      <p:to>
+                                        <p:strVal val="visible"/>
+                                      </p:to>
+                                    </p:set>
+                                  </p:childTnLst>
+                                </p:cTn>
+                              </p:par>
+                            </p:childTnLst>
+                          </p:cTn>
+                        </p:par>
+                      </p:childTnLst>
+                    </p:cTn>
+                  </p:par>
+                  <p:par>
+                    <p:cTn id="7" fill="hold">
+                      <p:stCondLst>
+                        <p:cond delay="indefinite"/>
+                      </p:stCondLst>
+                      <p:childTnLst>
+                        <p:par>
+                          <p:cTn id="8" fill="hold">
+                            <p:stCondLst>
+                              <p:cond delay="0"/>
+                            </p:stCondLst>
+                            <p:childTnLst>
+                              <p:par>
+                                <p:cTn id="9" presetID="1" presetClass="entr" presetSubtype="0" fill="hold" grpId="0" nodeType="clickEffect">
+                                  <p:stCondLst>
+                                    <p:cond delay="0"/>
+                                  </p:stCondLst>
+                                  <p:childTnLst>
+                                    <p:set>
+                                      <p:cBhvr>
+                                        <p:cTn id="10" dur="1" fill="hold">
+                                          <p:stCondLst>
+                                            <p:cond delay="0"/>
+                                          </p:stCondLst>
+                                        </p:cTn>
+                                        <p:tgtEl>
+                                          <p:spTgt spid="3">
+                                            <p:txEl>
+                                              <p:pRg st="1" end="1"/>
+                                            </p:txEl>
+                                          </p:spTgt>
+                                        </p:tgtEl>
+                                        <p:attrNameLst>
+                                          <p:attrName>style.visibility</p:attrName>
+                                        </p:attrNameLst>
+                                      </p:cBhvr>
+                                      <p:to>
+                                        <p:strVal val="visible"/>
+                                      </p:to>
+                                    </p:set>
+                                  </p:childTnLst>
+                                </p:cTn>
+                              </p:par>
+                            </p:childTnLst>
+                          </p:cTn>
+                        </p:par>
+                      </p:childTnLst>
+                    </p:cTn>
+                  </p:par>
+                </p:childTnLst>
+              </p:cTn>
+              <p:prevCondLst>
+                <p:cond evt="onPrev" delay="0">
+                  <p:tgtEl>
+                    <p:sldTgt/>
+                  </p:tgtEl>
+                </p:cond>
+              </p:prevCondLst>
+              <p:nextCondLst>
+                <p:cond evt="onNext" delay="0">
+                  <p:tgtEl>
+                    <p:sldTgt/>
+                  </p:tgtEl>
+                </p:cond>
+              </p:nextCondLst>
+            </p:seq>
+          </p:childTnLst>
+        </p:cTn>
+      </p:par>
+    </p:tnLst>
+    <p:bldLst>
+      <p:bldP spid="3" grpId="0" uiExpand="1" build="p"/>
+    </p:bldLst>
+  </p:timing>
+</p:sld>
+</file>
+
+<file path=ppt/slides/slide19.xml><?xml version="1.0" encoding="utf-8"?>
+<p:sld xmlns:a="http://schemas.openxmlformats.org/drawingml/2006/main" xmlns:r="http://schemas.openxmlformats.org/officeDocument/2006/relationships" xmlns:p="http://schemas.openxmlformats.org/presentationml/2006/main">
+  <p:cSld>
+    <p:spTree>
+      <p:nvGrpSpPr>
+        <p:cNvPr id="1" name=""/>
+        <p:cNvGrpSpPr/>
+        <p:nvPr/>
+      </p:nvGrpSpPr>
+      <p:grpSpPr>
+        <a:xfrm>
+          <a:off x="0" y="0"/>
+          <a:ext cx="0" cy="0"/>
+          <a:chOff x="0" y="0"/>
+          <a:chExt cx="0" cy="0"/>
+        </a:xfrm>
+      </p:grpSpPr>
+      <p:sp>
+        <p:nvSpPr>
+          <p:cNvPr id="2" name="Title 1"/>
+          <p:cNvSpPr>
+            <a:spLocks noGrp="1"/>
+          </p:cNvSpPr>
+          <p:nvPr>
+            <p:ph type="title"/>
+          </p:nvPr>
+        </p:nvSpPr>
+        <p:spPr/>
+        <p:txBody>
+          <a:bodyPr/>
+          <a:lstStyle/>
+          <a:p>
+            <a:pPr lvl="0" indent="0" marL="0">
+              <a:buNone/>
+            </a:pPr>
+            <a:r>
+              <a:rPr/>
               <a:t>Wie funktioniert Data Mining?</a:t>
             </a:r>
           </a:p>
@@ -4709,7 +4812,59 @@
 </p:sld>
 </file>
 
-<file path=ppt/slides/slide19.xml><?xml version="1.0" encoding="utf-8"?>
+<file path=ppt/slides/slide2.xml><?xml version="1.0" encoding="utf-8"?>
+<p:sld xmlns:a="http://schemas.openxmlformats.org/drawingml/2006/main" xmlns:r="http://schemas.openxmlformats.org/officeDocument/2006/relationships" xmlns:p="http://schemas.openxmlformats.org/presentationml/2006/main">
+  <p:cSld>
+    <p:spTree>
+      <p:nvGrpSpPr>
+        <p:cNvPr id="1" name=""/>
+        <p:cNvGrpSpPr/>
+        <p:nvPr/>
+      </p:nvGrpSpPr>
+      <p:grpSpPr>
+        <a:xfrm>
+          <a:off x="0" y="0"/>
+          <a:ext cx="0" cy="0"/>
+          <a:chOff x="0" y="0"/>
+          <a:chExt cx="0" cy="0"/>
+        </a:xfrm>
+      </p:grpSpPr>
+      <p:sp>
+        <p:nvSpPr>
+          <p:cNvPr id="2" name="Title 1"/>
+          <p:cNvSpPr>
+            <a:spLocks noGrp="1"/>
+          </p:cNvSpPr>
+          <p:nvPr>
+            <p:ph type="title"/>
+          </p:nvPr>
+        </p:nvSpPr>
+        <p:spPr>
+          <a:xfrm>
+            <a:off x="722313" y="3305176"/>
+            <a:ext cx="7772400" cy="1021556"/>
+          </a:xfrm>
+        </p:spPr>
+        <p:txBody>
+          <a:bodyPr/>
+          <a:lstStyle/>
+          <a:p>
+            <a:pPr lvl="0" indent="0" marL="0">
+              <a:buNone/>
+            </a:pPr>
+            <a:r>
+              <a:rPr/>
+              <a:t>Sitzung 1: Einführung, Organisatorisches und Grundlage</a:t>
+            </a:r>
+          </a:p>
+        </p:txBody>
+      </p:sp>
+    </p:spTree>
+  </p:cSld>
+</p:sld>
+</file>
+
+<file path=ppt/slides/slide20.xml><?xml version="1.0" encoding="utf-8"?>
 <p:sld xmlns:a="http://schemas.openxmlformats.org/drawingml/2006/main" xmlns:r="http://schemas.openxmlformats.org/officeDocument/2006/relationships" xmlns:p="http://schemas.openxmlformats.org/presentationml/2006/main">
   <p:cSld>
     <p:spTree>
@@ -5253,7 +5408,7 @@
 </p:sld>
 </file>
 
-<file path=ppt/slides/slide2.xml><?xml version="1.0" encoding="utf-8"?>
+<file path=ppt/slides/slide21.xml><?xml version="1.0" encoding="utf-8"?>
 <p:sld xmlns:a="http://schemas.openxmlformats.org/drawingml/2006/main" xmlns:r="http://schemas.openxmlformats.org/officeDocument/2006/relationships" xmlns:p="http://schemas.openxmlformats.org/presentationml/2006/main">
   <p:cSld>
     <p:spTree>
@@ -5280,12 +5435,7 @@
             <p:ph type="title"/>
           </p:nvPr>
         </p:nvSpPr>
-        <p:spPr>
-          <a:xfrm>
-            <a:off x="722313" y="3305176"/>
-            <a:ext cx="7772400" cy="1021556"/>
-          </a:xfrm>
-        </p:spPr>
+        <p:spPr/>
         <p:txBody>
           <a:bodyPr/>
           <a:lstStyle/>
@@ -5295,7 +5445,7 @@
             </a:pPr>
             <a:r>
               <a:rPr/>
-              <a:t>Sitzung 1: Einführung, Organisatorisches und Grundlage</a:t>
+              <a:t>Welche Inhalte wünschen Sie sich noch?</a:t>
             </a:r>
           </a:p>
         </p:txBody>
@@ -5305,7 +5455,7 @@
 </p:sld>
 </file>
 
-<file path=ppt/slides/slide20.xml><?xml version="1.0" encoding="utf-8"?>
+<file path=ppt/slides/slide22.xml><?xml version="1.0" encoding="utf-8"?>
 <p:sld xmlns:a="http://schemas.openxmlformats.org/drawingml/2006/main" xmlns:r="http://schemas.openxmlformats.org/officeDocument/2006/relationships" xmlns:p="http://schemas.openxmlformats.org/presentationml/2006/main">
   <p:cSld>
     <p:spTree>
@@ -5342,7 +5492,7 @@
             </a:pPr>
             <a:r>
               <a:rPr/>
-              <a:t>Was ich geplant habe</a:t>
+              <a:t>Nächste Schritte</a:t>
             </a:r>
           </a:p>
         </p:txBody>
@@ -5365,42 +5515,1194 @@
             <a:pPr lvl="0"/>
             <a:r>
               <a:rPr/>
-              <a:t>Grundlagen Datenanalyse</a:t>
+              <a:t>Überlegen Sie sich ein Thema für ein digitales Produkt</a:t>
             </a:r>
           </a:p>
           <a:p>
             <a:pPr lvl="0"/>
             <a:r>
               <a:rPr/>
-              <a:t>Data Mining</a:t>
+              <a:t>Identifizieren Sie Daten, die die Zielgruppe definieren</a:t>
+            </a:r>
+          </a:p>
+        </p:txBody>
+      </p:sp>
+    </p:spTree>
+  </p:cSld>
+  <p:timing>
+    <p:tnLst>
+      <p:par>
+        <p:cTn id="1" dur="indefinite" restart="never" nodeType="tmRoot">
+          <p:childTnLst>
+            <p:seq concurrent="1" nextAc="seek">
+              <p:cTn id="2" dur="indefinite" nodeType="mainSeq">
+                <p:childTnLst>
+                  <p:par>
+                    <p:cTn id="3" fill="hold">
+                      <p:stCondLst>
+                        <p:cond delay="indefinite"/>
+                      </p:stCondLst>
+                      <p:childTnLst>
+                        <p:par>
+                          <p:cTn id="4" fill="hold">
+                            <p:stCondLst>
+                              <p:cond delay="0"/>
+                            </p:stCondLst>
+                            <p:childTnLst>
+                              <p:par>
+                                <p:cTn id="5" presetID="1" presetClass="entr" presetSubtype="0" fill="hold" grpId="0" nodeType="clickEffect">
+                                  <p:stCondLst>
+                                    <p:cond delay="0"/>
+                                  </p:stCondLst>
+                                  <p:childTnLst>
+                                    <p:set>
+                                      <p:cBhvr>
+                                        <p:cTn id="6" dur="1" fill="hold">
+                                          <p:stCondLst>
+                                            <p:cond delay="0"/>
+                                          </p:stCondLst>
+                                        </p:cTn>
+                                        <p:tgtEl>
+                                          <p:spTgt spid="3">
+                                            <p:txEl>
+                                              <p:pRg st="0" end="0"/>
+                                            </p:txEl>
+                                          </p:spTgt>
+                                        </p:tgtEl>
+                                        <p:attrNameLst>
+                                          <p:attrName>style.visibility</p:attrName>
+                                        </p:attrNameLst>
+                                      </p:cBhvr>
+                                      <p:to>
+                                        <p:strVal val="visible"/>
+                                      </p:to>
+                                    </p:set>
+                                  </p:childTnLst>
+                                </p:cTn>
+                              </p:par>
+                            </p:childTnLst>
+                          </p:cTn>
+                        </p:par>
+                      </p:childTnLst>
+                    </p:cTn>
+                  </p:par>
+                  <p:par>
+                    <p:cTn id="7" fill="hold">
+                      <p:stCondLst>
+                        <p:cond delay="indefinite"/>
+                      </p:stCondLst>
+                      <p:childTnLst>
+                        <p:par>
+                          <p:cTn id="8" fill="hold">
+                            <p:stCondLst>
+                              <p:cond delay="0"/>
+                            </p:stCondLst>
+                            <p:childTnLst>
+                              <p:par>
+                                <p:cTn id="9" presetID="1" presetClass="entr" presetSubtype="0" fill="hold" grpId="0" nodeType="clickEffect">
+                                  <p:stCondLst>
+                                    <p:cond delay="0"/>
+                                  </p:stCondLst>
+                                  <p:childTnLst>
+                                    <p:set>
+                                      <p:cBhvr>
+                                        <p:cTn id="10" dur="1" fill="hold">
+                                          <p:stCondLst>
+                                            <p:cond delay="0"/>
+                                          </p:stCondLst>
+                                        </p:cTn>
+                                        <p:tgtEl>
+                                          <p:spTgt spid="3">
+                                            <p:txEl>
+                                              <p:pRg st="1" end="1"/>
+                                            </p:txEl>
+                                          </p:spTgt>
+                                        </p:tgtEl>
+                                        <p:attrNameLst>
+                                          <p:attrName>style.visibility</p:attrName>
+                                        </p:attrNameLst>
+                                      </p:cBhvr>
+                                      <p:to>
+                                        <p:strVal val="visible"/>
+                                      </p:to>
+                                    </p:set>
+                                  </p:childTnLst>
+                                </p:cTn>
+                              </p:par>
+                            </p:childTnLst>
+                          </p:cTn>
+                        </p:par>
+                      </p:childTnLst>
+                    </p:cTn>
+                  </p:par>
+                </p:childTnLst>
+              </p:cTn>
+              <p:prevCondLst>
+                <p:cond evt="onPrev" delay="0">
+                  <p:tgtEl>
+                    <p:sldTgt/>
+                  </p:tgtEl>
+                </p:cond>
+              </p:prevCondLst>
+              <p:nextCondLst>
+                <p:cond evt="onNext" delay="0">
+                  <p:tgtEl>
+                    <p:sldTgt/>
+                  </p:tgtEl>
+                </p:cond>
+              </p:nextCondLst>
+            </p:seq>
+          </p:childTnLst>
+        </p:cTn>
+      </p:par>
+    </p:tnLst>
+    <p:bldLst>
+      <p:bldP spid="3" grpId="0" uiExpand="1" build="p"/>
+    </p:bldLst>
+  </p:timing>
+</p:sld>
+</file>
+
+<file path=ppt/slides/slide23.xml><?xml version="1.0" encoding="utf-8"?>
+<p:sld xmlns:a="http://schemas.openxmlformats.org/drawingml/2006/main" xmlns:r="http://schemas.openxmlformats.org/officeDocument/2006/relationships" xmlns:p="http://schemas.openxmlformats.org/presentationml/2006/main">
+  <p:cSld>
+    <p:spTree>
+      <p:nvGrpSpPr>
+        <p:cNvPr id="1" name=""/>
+        <p:cNvGrpSpPr/>
+        <p:nvPr/>
+      </p:nvGrpSpPr>
+      <p:grpSpPr>
+        <a:xfrm>
+          <a:off x="0" y="0"/>
+          <a:ext cx="0" cy="0"/>
+          <a:chOff x="0" y="0"/>
+          <a:chExt cx="0" cy="0"/>
+        </a:xfrm>
+      </p:grpSpPr>
+      <p:sp>
+        <p:nvSpPr>
+          <p:cNvPr id="2" name="Title 1"/>
+          <p:cNvSpPr>
+            <a:spLocks noGrp="1"/>
+          </p:cNvSpPr>
+          <p:nvPr>
+            <p:ph type="title"/>
+          </p:nvPr>
+        </p:nvSpPr>
+        <p:spPr>
+          <a:xfrm>
+            <a:off x="722313" y="3305176"/>
+            <a:ext cx="7772400" cy="1021556"/>
+          </a:xfrm>
+        </p:spPr>
+        <p:txBody>
+          <a:bodyPr/>
+          <a:lstStyle/>
+          <a:p>
+            <a:pPr lvl="0" indent="0" marL="0">
+              <a:buNone/>
+            </a:pPr>
+            <a:r>
+              <a:rPr/>
+              <a:t>Woche 2</a:t>
+            </a:r>
+          </a:p>
+        </p:txBody>
+      </p:sp>
+    </p:spTree>
+  </p:cSld>
+</p:sld>
+</file>
+
+<file path=ppt/slides/slide3.xml><?xml version="1.0" encoding="utf-8"?>
+<p:sld xmlns:a="http://schemas.openxmlformats.org/drawingml/2006/main" xmlns:r="http://schemas.openxmlformats.org/officeDocument/2006/relationships" xmlns:p="http://schemas.openxmlformats.org/presentationml/2006/main">
+  <p:cSld>
+    <p:spTree>
+      <p:nvGrpSpPr>
+        <p:cNvPr id="1" name=""/>
+        <p:cNvGrpSpPr/>
+        <p:nvPr/>
+      </p:nvGrpSpPr>
+      <p:grpSpPr>
+        <a:xfrm>
+          <a:off x="0" y="0"/>
+          <a:ext cx="0" cy="0"/>
+          <a:chOff x="0" y="0"/>
+          <a:chExt cx="0" cy="0"/>
+        </a:xfrm>
+      </p:grpSpPr>
+      <p:sp>
+        <p:nvSpPr>
+          <p:cNvPr id="2" name="Title 1"/>
+          <p:cNvSpPr>
+            <a:spLocks noGrp="1"/>
+          </p:cNvSpPr>
+          <p:nvPr>
+            <p:ph type="title"/>
+          </p:nvPr>
+        </p:nvSpPr>
+        <p:spPr/>
+        <p:txBody>
+          <a:bodyPr/>
+          <a:lstStyle/>
+          <a:p>
+            <a:pPr lvl="0" indent="0" marL="0">
+              <a:buNone/>
+            </a:pPr>
+            <a:r>
+              <a:rPr/>
+              <a:t>Aus dem Modulhandbuch</a:t>
+            </a:r>
+          </a:p>
+        </p:txBody>
+      </p:sp>
+      <p:sp>
+        <p:nvSpPr>
+          <p:cNvPr id="3" name="Content Placeholder 2"/>
+          <p:cNvSpPr>
+            <a:spLocks noGrp="1"/>
+          </p:cNvSpPr>
+          <p:nvPr>
+            <p:ph idx="1"/>
+          </p:nvPr>
+        </p:nvSpPr>
+        <p:spPr/>
+        <p:txBody>
+          <a:bodyPr/>
+          <a:lstStyle/>
+          <a:p>
+            <a:pPr lvl="0" indent="0" marL="0">
+              <a:buNone/>
+            </a:pPr>
+            <a:r>
+              <a:rPr/>
+              <a:t>Die Studierenden können Prozesse und Strukturen in der Informations- und Medienwirtschaft implementieren und Digital-Produkte entwickeln, indem sie</a:t>
             </a:r>
           </a:p>
           <a:p>
             <a:pPr lvl="0"/>
             <a:r>
               <a:rPr/>
-              <a:t>A/B Testing</a:t>
+              <a:t>digitale Inhalte, Daten- und Medienprodukte sowie interaktive Darstellungsformen beispielsweise mit Methoden der User Experience konzipieren und realisieren,</a:t>
             </a:r>
           </a:p>
           <a:p>
             <a:pPr lvl="0"/>
             <a:r>
               <a:rPr/>
-              <a:t>Datenvisualisierung</a:t>
+              <a:t>um innovative Gestaltungsformate zu etablieren und damit Zielgruppen überprüfbar zu erreichen.</a:t>
+            </a:r>
+          </a:p>
+        </p:txBody>
+      </p:sp>
+    </p:spTree>
+  </p:cSld>
+  <p:timing>
+    <p:tnLst>
+      <p:par>
+        <p:cTn id="1" dur="indefinite" restart="never" nodeType="tmRoot">
+          <p:childTnLst>
+            <p:seq concurrent="1" nextAc="seek">
+              <p:cTn id="2" dur="indefinite" nodeType="mainSeq">
+                <p:childTnLst>
+                  <p:par>
+                    <p:cTn id="3" fill="hold">
+                      <p:stCondLst>
+                        <p:cond delay="indefinite"/>
+                      </p:stCondLst>
+                      <p:childTnLst>
+                        <p:par>
+                          <p:cTn id="4" fill="hold">
+                            <p:stCondLst>
+                              <p:cond delay="0"/>
+                            </p:stCondLst>
+                            <p:childTnLst>
+                              <p:par>
+                                <p:cTn id="5" presetID="1" presetClass="entr" presetSubtype="0" fill="hold" grpId="0" nodeType="clickEffect">
+                                  <p:stCondLst>
+                                    <p:cond delay="0"/>
+                                  </p:stCondLst>
+                                  <p:childTnLst>
+                                    <p:set>
+                                      <p:cBhvr>
+                                        <p:cTn id="6" dur="1" fill="hold">
+                                          <p:stCondLst>
+                                            <p:cond delay="0"/>
+                                          </p:stCondLst>
+                                        </p:cTn>
+                                        <p:tgtEl>
+                                          <p:spTgt spid="3">
+                                            <p:txEl>
+                                              <p:pRg st="1" end="1"/>
+                                            </p:txEl>
+                                          </p:spTgt>
+                                        </p:tgtEl>
+                                        <p:attrNameLst>
+                                          <p:attrName>style.visibility</p:attrName>
+                                        </p:attrNameLst>
+                                      </p:cBhvr>
+                                      <p:to>
+                                        <p:strVal val="visible"/>
+                                      </p:to>
+                                    </p:set>
+                                  </p:childTnLst>
+                                </p:cTn>
+                              </p:par>
+                            </p:childTnLst>
+                          </p:cTn>
+                        </p:par>
+                      </p:childTnLst>
+                    </p:cTn>
+                  </p:par>
+                  <p:par>
+                    <p:cTn id="7" fill="hold">
+                      <p:stCondLst>
+                        <p:cond delay="indefinite"/>
+                      </p:stCondLst>
+                      <p:childTnLst>
+                        <p:par>
+                          <p:cTn id="8" fill="hold">
+                            <p:stCondLst>
+                              <p:cond delay="0"/>
+                            </p:stCondLst>
+                            <p:childTnLst>
+                              <p:par>
+                                <p:cTn id="9" presetID="1" presetClass="entr" presetSubtype="0" fill="hold" grpId="0" nodeType="clickEffect">
+                                  <p:stCondLst>
+                                    <p:cond delay="0"/>
+                                  </p:stCondLst>
+                                  <p:childTnLst>
+                                    <p:set>
+                                      <p:cBhvr>
+                                        <p:cTn id="10" dur="1" fill="hold">
+                                          <p:stCondLst>
+                                            <p:cond delay="0"/>
+                                          </p:stCondLst>
+                                        </p:cTn>
+                                        <p:tgtEl>
+                                          <p:spTgt spid="3">
+                                            <p:txEl>
+                                              <p:pRg st="2" end="2"/>
+                                            </p:txEl>
+                                          </p:spTgt>
+                                        </p:tgtEl>
+                                        <p:attrNameLst>
+                                          <p:attrName>style.visibility</p:attrName>
+                                        </p:attrNameLst>
+                                      </p:cBhvr>
+                                      <p:to>
+                                        <p:strVal val="visible"/>
+                                      </p:to>
+                                    </p:set>
+                                  </p:childTnLst>
+                                </p:cTn>
+                              </p:par>
+                            </p:childTnLst>
+                          </p:cTn>
+                        </p:par>
+                      </p:childTnLst>
+                    </p:cTn>
+                  </p:par>
+                </p:childTnLst>
+              </p:cTn>
+              <p:prevCondLst>
+                <p:cond evt="onPrev" delay="0">
+                  <p:tgtEl>
+                    <p:sldTgt/>
+                  </p:tgtEl>
+                </p:cond>
+              </p:prevCondLst>
+              <p:nextCondLst>
+                <p:cond evt="onNext" delay="0">
+                  <p:tgtEl>
+                    <p:sldTgt/>
+                  </p:tgtEl>
+                </p:cond>
+              </p:nextCondLst>
+            </p:seq>
+          </p:childTnLst>
+        </p:cTn>
+      </p:par>
+    </p:tnLst>
+    <p:bldLst>
+      <p:bldP spid="3" grpId="0" uiExpand="1" build="p"/>
+    </p:bldLst>
+  </p:timing>
+</p:sld>
+</file>
+
+<file path=ppt/slides/slide4.xml><?xml version="1.0" encoding="utf-8"?>
+<p:sld xmlns:a="http://schemas.openxmlformats.org/drawingml/2006/main" xmlns:r="http://schemas.openxmlformats.org/officeDocument/2006/relationships" xmlns:p="http://schemas.openxmlformats.org/presentationml/2006/main">
+  <p:cSld>
+    <p:spTree>
+      <p:nvGrpSpPr>
+        <p:cNvPr id="1" name=""/>
+        <p:cNvGrpSpPr/>
+        <p:nvPr/>
+      </p:nvGrpSpPr>
+      <p:grpSpPr>
+        <a:xfrm>
+          <a:off x="0" y="0"/>
+          <a:ext cx="0" cy="0"/>
+          <a:chOff x="0" y="0"/>
+          <a:chExt cx="0" cy="0"/>
+        </a:xfrm>
+      </p:grpSpPr>
+      <p:sp>
+        <p:nvSpPr>
+          <p:cNvPr id="2" name="Title 1"/>
+          <p:cNvSpPr>
+            <a:spLocks noGrp="1"/>
+          </p:cNvSpPr>
+          <p:nvPr>
+            <p:ph type="title"/>
+          </p:nvPr>
+        </p:nvSpPr>
+        <p:spPr/>
+        <p:txBody>
+          <a:bodyPr/>
+          <a:lstStyle/>
+          <a:p>
+            <a:pPr lvl="0" indent="0" marL="0">
+              <a:buNone/>
+            </a:pPr>
+            <a:r>
+              <a:rPr/>
+              <a:t>Aus dem Modulhandbuch, continued</a:t>
+            </a:r>
+          </a:p>
+        </p:txBody>
+      </p:sp>
+      <p:sp>
+        <p:nvSpPr>
+          <p:cNvPr id="3" name="Content Placeholder 2"/>
+          <p:cNvSpPr>
+            <a:spLocks noGrp="1"/>
+          </p:cNvSpPr>
+          <p:nvPr>
+            <p:ph idx="1"/>
+          </p:nvPr>
+        </p:nvSpPr>
+        <p:spPr/>
+        <p:txBody>
+          <a:bodyPr/>
+          <a:lstStyle/>
+          <a:p>
+            <a:pPr lvl="0" indent="0" marL="0">
+              <a:buNone/>
+            </a:pPr>
+            <a:r>
+              <a:rPr/>
+              <a:t>Die Studierenden können digitale Transformation verantwortungsbewusst und adressatengerecht gestalten, indem sie</a:t>
             </a:r>
           </a:p>
           <a:p>
             <a:pPr lvl="0"/>
             <a:r>
               <a:rPr/>
-              <a:t>Interaktive Dashboards</a:t>
+              <a:t>Prozesse und Strukturen in der Informations- und Medienwirtschaft implementieren und digitale Produkte konzipieren und entwickeln;</a:t>
             </a:r>
           </a:p>
           <a:p>
             <a:pPr lvl="0"/>
             <a:r>
               <a:rPr/>
-              <a:t>Data Story Telling</a:t>
+              <a:t>Informationen, Inhalte und Datenbestände erschließen, kuratieren, aufbereiten, lizenzieren und publizieren;</a:t>
+            </a:r>
+          </a:p>
+          <a:p>
+            <a:pPr lvl="0"/>
+            <a:r>
+              <a:rPr/>
+              <a:t>Daten, digitale Medien und Technologien zielgruppenspezifisch vermitteln und kommunizieren.</a:t>
+            </a:r>
+          </a:p>
+        </p:txBody>
+      </p:sp>
+    </p:spTree>
+  </p:cSld>
+  <p:timing>
+    <p:tnLst>
+      <p:par>
+        <p:cTn id="1" dur="indefinite" restart="never" nodeType="tmRoot">
+          <p:childTnLst>
+            <p:seq concurrent="1" nextAc="seek">
+              <p:cTn id="2" dur="indefinite" nodeType="mainSeq">
+                <p:childTnLst>
+                  <p:par>
+                    <p:cTn id="3" fill="hold">
+                      <p:stCondLst>
+                        <p:cond delay="indefinite"/>
+                      </p:stCondLst>
+                      <p:childTnLst>
+                        <p:par>
+                          <p:cTn id="4" fill="hold">
+                            <p:stCondLst>
+                              <p:cond delay="0"/>
+                            </p:stCondLst>
+                            <p:childTnLst>
+                              <p:par>
+                                <p:cTn id="5" presetID="1" presetClass="entr" presetSubtype="0" fill="hold" grpId="0" nodeType="clickEffect">
+                                  <p:stCondLst>
+                                    <p:cond delay="0"/>
+                                  </p:stCondLst>
+                                  <p:childTnLst>
+                                    <p:set>
+                                      <p:cBhvr>
+                                        <p:cTn id="6" dur="1" fill="hold">
+                                          <p:stCondLst>
+                                            <p:cond delay="0"/>
+                                          </p:stCondLst>
+                                        </p:cTn>
+                                        <p:tgtEl>
+                                          <p:spTgt spid="3">
+                                            <p:txEl>
+                                              <p:pRg st="1" end="1"/>
+                                            </p:txEl>
+                                          </p:spTgt>
+                                        </p:tgtEl>
+                                        <p:attrNameLst>
+                                          <p:attrName>style.visibility</p:attrName>
+                                        </p:attrNameLst>
+                                      </p:cBhvr>
+                                      <p:to>
+                                        <p:strVal val="visible"/>
+                                      </p:to>
+                                    </p:set>
+                                  </p:childTnLst>
+                                </p:cTn>
+                              </p:par>
+                            </p:childTnLst>
+                          </p:cTn>
+                        </p:par>
+                      </p:childTnLst>
+                    </p:cTn>
+                  </p:par>
+                  <p:par>
+                    <p:cTn id="7" fill="hold">
+                      <p:stCondLst>
+                        <p:cond delay="indefinite"/>
+                      </p:stCondLst>
+                      <p:childTnLst>
+                        <p:par>
+                          <p:cTn id="8" fill="hold">
+                            <p:stCondLst>
+                              <p:cond delay="0"/>
+                            </p:stCondLst>
+                            <p:childTnLst>
+                              <p:par>
+                                <p:cTn id="9" presetID="1" presetClass="entr" presetSubtype="0" fill="hold" grpId="0" nodeType="clickEffect">
+                                  <p:stCondLst>
+                                    <p:cond delay="0"/>
+                                  </p:stCondLst>
+                                  <p:childTnLst>
+                                    <p:set>
+                                      <p:cBhvr>
+                                        <p:cTn id="10" dur="1" fill="hold">
+                                          <p:stCondLst>
+                                            <p:cond delay="0"/>
+                                          </p:stCondLst>
+                                        </p:cTn>
+                                        <p:tgtEl>
+                                          <p:spTgt spid="3">
+                                            <p:txEl>
+                                              <p:pRg st="2" end="2"/>
+                                            </p:txEl>
+                                          </p:spTgt>
+                                        </p:tgtEl>
+                                        <p:attrNameLst>
+                                          <p:attrName>style.visibility</p:attrName>
+                                        </p:attrNameLst>
+                                      </p:cBhvr>
+                                      <p:to>
+                                        <p:strVal val="visible"/>
+                                      </p:to>
+                                    </p:set>
+                                  </p:childTnLst>
+                                </p:cTn>
+                              </p:par>
+                            </p:childTnLst>
+                          </p:cTn>
+                        </p:par>
+                      </p:childTnLst>
+                    </p:cTn>
+                  </p:par>
+                  <p:par>
+                    <p:cTn id="11" fill="hold">
+                      <p:stCondLst>
+                        <p:cond delay="indefinite"/>
+                      </p:stCondLst>
+                      <p:childTnLst>
+                        <p:par>
+                          <p:cTn id="12" fill="hold">
+                            <p:stCondLst>
+                              <p:cond delay="0"/>
+                            </p:stCondLst>
+                            <p:childTnLst>
+                              <p:par>
+                                <p:cTn id="13" presetID="1" presetClass="entr" presetSubtype="0" fill="hold" grpId="0" nodeType="clickEffect">
+                                  <p:stCondLst>
+                                    <p:cond delay="0"/>
+                                  </p:stCondLst>
+                                  <p:childTnLst>
+                                    <p:set>
+                                      <p:cBhvr>
+                                        <p:cTn id="14" dur="1" fill="hold">
+                                          <p:stCondLst>
+                                            <p:cond delay="0"/>
+                                          </p:stCondLst>
+                                        </p:cTn>
+                                        <p:tgtEl>
+                                          <p:spTgt spid="3">
+                                            <p:txEl>
+                                              <p:pRg st="3" end="3"/>
+                                            </p:txEl>
+                                          </p:spTgt>
+                                        </p:tgtEl>
+                                        <p:attrNameLst>
+                                          <p:attrName>style.visibility</p:attrName>
+                                        </p:attrNameLst>
+                                      </p:cBhvr>
+                                      <p:to>
+                                        <p:strVal val="visible"/>
+                                      </p:to>
+                                    </p:set>
+                                  </p:childTnLst>
+                                </p:cTn>
+                              </p:par>
+                            </p:childTnLst>
+                          </p:cTn>
+                        </p:par>
+                      </p:childTnLst>
+                    </p:cTn>
+                  </p:par>
+                </p:childTnLst>
+              </p:cTn>
+              <p:prevCondLst>
+                <p:cond evt="onPrev" delay="0">
+                  <p:tgtEl>
+                    <p:sldTgt/>
+                  </p:tgtEl>
+                </p:cond>
+              </p:prevCondLst>
+              <p:nextCondLst>
+                <p:cond evt="onNext" delay="0">
+                  <p:tgtEl>
+                    <p:sldTgt/>
+                  </p:tgtEl>
+                </p:cond>
+              </p:nextCondLst>
+            </p:seq>
+          </p:childTnLst>
+        </p:cTn>
+      </p:par>
+    </p:tnLst>
+    <p:bldLst>
+      <p:bldP spid="3" grpId="0" uiExpand="1" build="p"/>
+    </p:bldLst>
+  </p:timing>
+</p:sld>
+</file>
+
+<file path=ppt/slides/slide5.xml><?xml version="1.0" encoding="utf-8"?>
+<p:sld xmlns:a="http://schemas.openxmlformats.org/drawingml/2006/main" xmlns:r="http://schemas.openxmlformats.org/officeDocument/2006/relationships" xmlns:p="http://schemas.openxmlformats.org/presentationml/2006/main">
+  <p:cSld>
+    <p:spTree>
+      <p:nvGrpSpPr>
+        <p:cNvPr id="1" name=""/>
+        <p:cNvGrpSpPr/>
+        <p:nvPr/>
+      </p:nvGrpSpPr>
+      <p:grpSpPr>
+        <a:xfrm>
+          <a:off x="0" y="0"/>
+          <a:ext cx="0" cy="0"/>
+          <a:chOff x="0" y="0"/>
+          <a:chExt cx="0" cy="0"/>
+        </a:xfrm>
+      </p:grpSpPr>
+      <p:sp>
+        <p:nvSpPr>
+          <p:cNvPr id="2" name="Title 1"/>
+          <p:cNvSpPr>
+            <a:spLocks noGrp="1"/>
+          </p:cNvSpPr>
+          <p:nvPr>
+            <p:ph type="title"/>
+          </p:nvPr>
+        </p:nvSpPr>
+        <p:spPr/>
+        <p:txBody>
+          <a:bodyPr/>
+          <a:lstStyle/>
+          <a:p>
+            <a:pPr lvl="0" indent="0" marL="0">
+              <a:buNone/>
+            </a:pPr>
+            <a:r>
+              <a:rPr/>
+              <a:t>Kursziele</a:t>
+            </a:r>
+          </a:p>
+        </p:txBody>
+      </p:sp>
+      <p:sp>
+        <p:nvSpPr>
+          <p:cNvPr id="3" name="Content Placeholder 2"/>
+          <p:cNvSpPr>
+            <a:spLocks noGrp="1"/>
+          </p:cNvSpPr>
+          <p:nvPr>
+            <p:ph idx="1"/>
+          </p:nvPr>
+        </p:nvSpPr>
+        <p:spPr/>
+        <p:txBody>
+          <a:bodyPr/>
+          <a:lstStyle/>
+          <a:p>
+            <a:pPr lvl="0"/>
+            <a:r>
+              <a:rPr/>
+              <a:t>Rolle von Daten: Unterschied zwischen Daten, Informationen und Erkenntnissen verstehen und digitale Inhalte daran ausrichten.</a:t>
+            </a:r>
+          </a:p>
+          <a:p>
+            <a:pPr lvl="0"/>
+            <a:r>
+              <a:rPr/>
+              <a:t>Personalisierung und Empfehlung: Sie wenden einfache Segmentierungs‑ und Assoziationsverfahren an, um Inhalte zielgruppenspezifisch zu empfehlen.</a:t>
+            </a:r>
+          </a:p>
+          <a:p>
+            <a:pPr lvl="0"/>
+            <a:r>
+              <a:rPr/>
+              <a:t>Erfolgsüberprüfung: Sie definieren und überprüfen relevante KPIs</a:t>
+            </a:r>
+          </a:p>
+        </p:txBody>
+      </p:sp>
+    </p:spTree>
+  </p:cSld>
+  <p:timing>
+    <p:tnLst>
+      <p:par>
+        <p:cTn id="1" dur="indefinite" restart="never" nodeType="tmRoot">
+          <p:childTnLst>
+            <p:seq concurrent="1" nextAc="seek">
+              <p:cTn id="2" dur="indefinite" nodeType="mainSeq">
+                <p:childTnLst>
+                  <p:par>
+                    <p:cTn id="3" fill="hold">
+                      <p:stCondLst>
+                        <p:cond delay="indefinite"/>
+                      </p:stCondLst>
+                      <p:childTnLst>
+                        <p:par>
+                          <p:cTn id="4" fill="hold">
+                            <p:stCondLst>
+                              <p:cond delay="0"/>
+                            </p:stCondLst>
+                            <p:childTnLst>
+                              <p:par>
+                                <p:cTn id="5" presetID="1" presetClass="entr" presetSubtype="0" fill="hold" grpId="0" nodeType="clickEffect">
+                                  <p:stCondLst>
+                                    <p:cond delay="0"/>
+                                  </p:stCondLst>
+                                  <p:childTnLst>
+                                    <p:set>
+                                      <p:cBhvr>
+                                        <p:cTn id="6" dur="1" fill="hold">
+                                          <p:stCondLst>
+                                            <p:cond delay="0"/>
+                                          </p:stCondLst>
+                                        </p:cTn>
+                                        <p:tgtEl>
+                                          <p:spTgt spid="3">
+                                            <p:txEl>
+                                              <p:pRg st="0" end="0"/>
+                                            </p:txEl>
+                                          </p:spTgt>
+                                        </p:tgtEl>
+                                        <p:attrNameLst>
+                                          <p:attrName>style.visibility</p:attrName>
+                                        </p:attrNameLst>
+                                      </p:cBhvr>
+                                      <p:to>
+                                        <p:strVal val="visible"/>
+                                      </p:to>
+                                    </p:set>
+                                  </p:childTnLst>
+                                </p:cTn>
+                              </p:par>
+                            </p:childTnLst>
+                          </p:cTn>
+                        </p:par>
+                      </p:childTnLst>
+                    </p:cTn>
+                  </p:par>
+                  <p:par>
+                    <p:cTn id="7" fill="hold">
+                      <p:stCondLst>
+                        <p:cond delay="indefinite"/>
+                      </p:stCondLst>
+                      <p:childTnLst>
+                        <p:par>
+                          <p:cTn id="8" fill="hold">
+                            <p:stCondLst>
+                              <p:cond delay="0"/>
+                            </p:stCondLst>
+                            <p:childTnLst>
+                              <p:par>
+                                <p:cTn id="9" presetID="1" presetClass="entr" presetSubtype="0" fill="hold" grpId="0" nodeType="clickEffect">
+                                  <p:stCondLst>
+                                    <p:cond delay="0"/>
+                                  </p:stCondLst>
+                                  <p:childTnLst>
+                                    <p:set>
+                                      <p:cBhvr>
+                                        <p:cTn id="10" dur="1" fill="hold">
+                                          <p:stCondLst>
+                                            <p:cond delay="0"/>
+                                          </p:stCondLst>
+                                        </p:cTn>
+                                        <p:tgtEl>
+                                          <p:spTgt spid="3">
+                                            <p:txEl>
+                                              <p:pRg st="1" end="1"/>
+                                            </p:txEl>
+                                          </p:spTgt>
+                                        </p:tgtEl>
+                                        <p:attrNameLst>
+                                          <p:attrName>style.visibility</p:attrName>
+                                        </p:attrNameLst>
+                                      </p:cBhvr>
+                                      <p:to>
+                                        <p:strVal val="visible"/>
+                                      </p:to>
+                                    </p:set>
+                                  </p:childTnLst>
+                                </p:cTn>
+                              </p:par>
+                            </p:childTnLst>
+                          </p:cTn>
+                        </p:par>
+                      </p:childTnLst>
+                    </p:cTn>
+                  </p:par>
+                  <p:par>
+                    <p:cTn id="11" fill="hold">
+                      <p:stCondLst>
+                        <p:cond delay="indefinite"/>
+                      </p:stCondLst>
+                      <p:childTnLst>
+                        <p:par>
+                          <p:cTn id="12" fill="hold">
+                            <p:stCondLst>
+                              <p:cond delay="0"/>
+                            </p:stCondLst>
+                            <p:childTnLst>
+                              <p:par>
+                                <p:cTn id="13" presetID="1" presetClass="entr" presetSubtype="0" fill="hold" grpId="0" nodeType="clickEffect">
+                                  <p:stCondLst>
+                                    <p:cond delay="0"/>
+                                  </p:stCondLst>
+                                  <p:childTnLst>
+                                    <p:set>
+                                      <p:cBhvr>
+                                        <p:cTn id="14" dur="1" fill="hold">
+                                          <p:stCondLst>
+                                            <p:cond delay="0"/>
+                                          </p:stCondLst>
+                                        </p:cTn>
+                                        <p:tgtEl>
+                                          <p:spTgt spid="3">
+                                            <p:txEl>
+                                              <p:pRg st="2" end="2"/>
+                                            </p:txEl>
+                                          </p:spTgt>
+                                        </p:tgtEl>
+                                        <p:attrNameLst>
+                                          <p:attrName>style.visibility</p:attrName>
+                                        </p:attrNameLst>
+                                      </p:cBhvr>
+                                      <p:to>
+                                        <p:strVal val="visible"/>
+                                      </p:to>
+                                    </p:set>
+                                  </p:childTnLst>
+                                </p:cTn>
+                              </p:par>
+                            </p:childTnLst>
+                          </p:cTn>
+                        </p:par>
+                      </p:childTnLst>
+                    </p:cTn>
+                  </p:par>
+                </p:childTnLst>
+              </p:cTn>
+              <p:prevCondLst>
+                <p:cond evt="onPrev" delay="0">
+                  <p:tgtEl>
+                    <p:sldTgt/>
+                  </p:tgtEl>
+                </p:cond>
+              </p:prevCondLst>
+              <p:nextCondLst>
+                <p:cond evt="onNext" delay="0">
+                  <p:tgtEl>
+                    <p:sldTgt/>
+                  </p:tgtEl>
+                </p:cond>
+              </p:nextCondLst>
+            </p:seq>
+          </p:childTnLst>
+        </p:cTn>
+      </p:par>
+    </p:tnLst>
+    <p:bldLst>
+      <p:bldP spid="3" grpId="0" uiExpand="1" build="p"/>
+    </p:bldLst>
+  </p:timing>
+</p:sld>
+</file>
+
+<file path=ppt/slides/slide6.xml><?xml version="1.0" encoding="utf-8"?>
+<p:sld xmlns:a="http://schemas.openxmlformats.org/drawingml/2006/main" xmlns:r="http://schemas.openxmlformats.org/officeDocument/2006/relationships" xmlns:p="http://schemas.openxmlformats.org/presentationml/2006/main">
+  <p:cSld>
+    <p:spTree>
+      <p:nvGrpSpPr>
+        <p:cNvPr id="1" name=""/>
+        <p:cNvGrpSpPr/>
+        <p:nvPr/>
+      </p:nvGrpSpPr>
+      <p:grpSpPr>
+        <a:xfrm>
+          <a:off x="0" y="0"/>
+          <a:ext cx="0" cy="0"/>
+          <a:chOff x="0" y="0"/>
+          <a:chExt cx="0" cy="0"/>
+        </a:xfrm>
+      </p:grpSpPr>
+      <p:sp>
+        <p:nvSpPr>
+          <p:cNvPr id="2" name="Title 1"/>
+          <p:cNvSpPr>
+            <a:spLocks noGrp="1"/>
+          </p:cNvSpPr>
+          <p:nvPr>
+            <p:ph type="title"/>
+          </p:nvPr>
+        </p:nvSpPr>
+        <p:spPr/>
+        <p:txBody>
+          <a:bodyPr/>
+          <a:lstStyle/>
+          <a:p>
+            <a:pPr lvl="0" indent="0" marL="0">
+              <a:buNone/>
+            </a:pPr>
+            <a:r>
+              <a:rPr/>
+              <a:t>Prüfungsleistung</a:t>
+            </a:r>
+          </a:p>
+        </p:txBody>
+      </p:sp>
+      <p:sp>
+        <p:nvSpPr>
+          <p:cNvPr id="3" name="Content Placeholder 2"/>
+          <p:cNvSpPr>
+            <a:spLocks noGrp="1"/>
+          </p:cNvSpPr>
+          <p:nvPr>
+            <p:ph idx="1"/>
+          </p:nvPr>
+        </p:nvSpPr>
+        <p:spPr/>
+        <p:txBody>
+          <a:bodyPr/>
+          <a:lstStyle/>
+          <a:p>
+            <a:pPr lvl="0"/>
+            <a:r>
+              <a:rPr/>
+              <a:t>Prüfungsleistung: 20‑minütiges Referat (mündliche Prüfung) und/oder 3–5‑seitiger Kurzbericht (schriftliche Prüfung): Segmentierung einer Zielgruppe auf Basis von Daten, Konzept eines Datenprodukts, Erfolgsdefinition und -Reportingkonzept.</a:t>
+            </a:r>
+          </a:p>
+        </p:txBody>
+      </p:sp>
+    </p:spTree>
+  </p:cSld>
+  <p:timing>
+    <p:tnLst>
+      <p:par>
+        <p:cTn id="1" dur="indefinite" restart="never" nodeType="tmRoot">
+          <p:childTnLst>
+            <p:seq concurrent="1" nextAc="seek">
+              <p:cTn id="2" dur="indefinite" nodeType="mainSeq">
+                <p:childTnLst>
+                  <p:par>
+                    <p:cTn id="3" fill="hold">
+                      <p:stCondLst>
+                        <p:cond delay="indefinite"/>
+                      </p:stCondLst>
+                      <p:childTnLst>
+                        <p:par>
+                          <p:cTn id="4" fill="hold">
+                            <p:stCondLst>
+                              <p:cond delay="0"/>
+                            </p:stCondLst>
+                            <p:childTnLst>
+                              <p:par>
+                                <p:cTn id="5" presetID="1" presetClass="entr" presetSubtype="0" fill="hold" grpId="0" nodeType="clickEffect">
+                                  <p:stCondLst>
+                                    <p:cond delay="0"/>
+                                  </p:stCondLst>
+                                  <p:childTnLst>
+                                    <p:set>
+                                      <p:cBhvr>
+                                        <p:cTn id="6" dur="1" fill="hold">
+                                          <p:stCondLst>
+                                            <p:cond delay="0"/>
+                                          </p:stCondLst>
+                                        </p:cTn>
+                                        <p:tgtEl>
+                                          <p:spTgt spid="3">
+                                            <p:txEl>
+                                              <p:pRg st="0" end="0"/>
+                                            </p:txEl>
+                                          </p:spTgt>
+                                        </p:tgtEl>
+                                        <p:attrNameLst>
+                                          <p:attrName>style.visibility</p:attrName>
+                                        </p:attrNameLst>
+                                      </p:cBhvr>
+                                      <p:to>
+                                        <p:strVal val="visible"/>
+                                      </p:to>
+                                    </p:set>
+                                  </p:childTnLst>
+                                </p:cTn>
+                              </p:par>
+                            </p:childTnLst>
+                          </p:cTn>
+                        </p:par>
+                      </p:childTnLst>
+                    </p:cTn>
+                  </p:par>
+                </p:childTnLst>
+              </p:cTn>
+              <p:prevCondLst>
+                <p:cond evt="onPrev" delay="0">
+                  <p:tgtEl>
+                    <p:sldTgt/>
+                  </p:tgtEl>
+                </p:cond>
+              </p:prevCondLst>
+              <p:nextCondLst>
+                <p:cond evt="onNext" delay="0">
+                  <p:tgtEl>
+                    <p:sldTgt/>
+                  </p:tgtEl>
+                </p:cond>
+              </p:nextCondLst>
+            </p:seq>
+          </p:childTnLst>
+        </p:cTn>
+      </p:par>
+    </p:tnLst>
+    <p:bldLst>
+      <p:bldP spid="3" grpId="0" uiExpand="1" build="p"/>
+    </p:bldLst>
+  </p:timing>
+</p:sld>
+</file>
+
+<file path=ppt/slides/slide7.xml><?xml version="1.0" encoding="utf-8"?>
+<p:sld xmlns:a="http://schemas.openxmlformats.org/drawingml/2006/main" xmlns:r="http://schemas.openxmlformats.org/officeDocument/2006/relationships" xmlns:p="http://schemas.openxmlformats.org/presentationml/2006/main">
+  <p:cSld>
+    <p:spTree>
+      <p:nvGrpSpPr>
+        <p:cNvPr id="1" name=""/>
+        <p:cNvGrpSpPr/>
+        <p:nvPr/>
+      </p:nvGrpSpPr>
+      <p:grpSpPr>
+        <a:xfrm>
+          <a:off x="0" y="0"/>
+          <a:ext cx="0" cy="0"/>
+          <a:chOff x="0" y="0"/>
+          <a:chExt cx="0" cy="0"/>
+        </a:xfrm>
+      </p:grpSpPr>
+      <p:sp>
+        <p:nvSpPr>
+          <p:cNvPr id="2" name="Title 1"/>
+          <p:cNvSpPr>
+            <a:spLocks noGrp="1"/>
+          </p:cNvSpPr>
+          <p:nvPr>
+            <p:ph type="title"/>
+          </p:nvPr>
+        </p:nvSpPr>
+        <p:spPr/>
+        <p:txBody>
+          <a:bodyPr/>
+          <a:lstStyle/>
+          <a:p>
+            <a:pPr lvl="0" indent="0" marL="0">
+              <a:buNone/>
+            </a:pPr>
+            <a:r>
+              <a:rPr/>
+              <a:t>Logistik</a:t>
+            </a:r>
+          </a:p>
+        </p:txBody>
+      </p:sp>
+      <p:sp>
+        <p:nvSpPr>
+          <p:cNvPr id="3" name="Content Placeholder 2"/>
+          <p:cNvSpPr>
+            <a:spLocks noGrp="1"/>
+          </p:cNvSpPr>
+          <p:nvPr>
+            <p:ph idx="1"/>
+          </p:nvPr>
+        </p:nvSpPr>
+        <p:spPr/>
+        <p:txBody>
+          <a:bodyPr/>
+          <a:lstStyle/>
+          <a:p>
+            <a:pPr lvl="0"/>
+            <a:r>
+              <a:rPr/>
+              <a:t>Keine Anwesenheitspflicht</a:t>
+            </a:r>
+          </a:p>
+          <a:p>
+            <a:pPr lvl="0"/>
+            <a:r>
+              <a:rPr/>
+              <a:t>Teilnahme online möglich, keine Aufzeichnung</a:t>
+            </a:r>
+          </a:p>
+          <a:p>
+            <a:pPr lvl="0"/>
+            <a:r>
+              <a:rPr/>
+              <a:t>Moodle Einschreibepasswort: CommanderData!</a:t>
+            </a:r>
+          </a:p>
+          <a:p>
+            <a:pPr lvl="0"/>
+            <a:r>
+              <a:rPr/>
+              <a:t>ChatGPT &amp; Co sind ausdrücklich erlaubt, aber Sie müssen das Protokoll teilen</a:t>
             </a:r>
           </a:p>
         </p:txBody>
@@ -5611,1805 +6913,6 @@
                       </p:childTnLst>
                     </p:cTn>
                   </p:par>
-                  <p:par>
-                    <p:cTn id="19" fill="hold">
-                      <p:stCondLst>
-                        <p:cond delay="indefinite"/>
-                      </p:stCondLst>
-                      <p:childTnLst>
-                        <p:par>
-                          <p:cTn id="20" fill="hold">
-                            <p:stCondLst>
-                              <p:cond delay="0"/>
-                            </p:stCondLst>
-                            <p:childTnLst>
-                              <p:par>
-                                <p:cTn id="21" presetID="1" presetClass="entr" presetSubtype="0" fill="hold" grpId="0" nodeType="clickEffect">
-                                  <p:stCondLst>
-                                    <p:cond delay="0"/>
-                                  </p:stCondLst>
-                                  <p:childTnLst>
-                                    <p:set>
-                                      <p:cBhvr>
-                                        <p:cTn id="22" dur="1" fill="hold">
-                                          <p:stCondLst>
-                                            <p:cond delay="0"/>
-                                          </p:stCondLst>
-                                        </p:cTn>
-                                        <p:tgtEl>
-                                          <p:spTgt spid="3">
-                                            <p:txEl>
-                                              <p:pRg st="4" end="4"/>
-                                            </p:txEl>
-                                          </p:spTgt>
-                                        </p:tgtEl>
-                                        <p:attrNameLst>
-                                          <p:attrName>style.visibility</p:attrName>
-                                        </p:attrNameLst>
-                                      </p:cBhvr>
-                                      <p:to>
-                                        <p:strVal val="visible"/>
-                                      </p:to>
-                                    </p:set>
-                                  </p:childTnLst>
-                                </p:cTn>
-                              </p:par>
-                            </p:childTnLst>
-                          </p:cTn>
-                        </p:par>
-                      </p:childTnLst>
-                    </p:cTn>
-                  </p:par>
-                  <p:par>
-                    <p:cTn id="23" fill="hold">
-                      <p:stCondLst>
-                        <p:cond delay="indefinite"/>
-                      </p:stCondLst>
-                      <p:childTnLst>
-                        <p:par>
-                          <p:cTn id="24" fill="hold">
-                            <p:stCondLst>
-                              <p:cond delay="0"/>
-                            </p:stCondLst>
-                            <p:childTnLst>
-                              <p:par>
-                                <p:cTn id="25" presetID="1" presetClass="entr" presetSubtype="0" fill="hold" grpId="0" nodeType="clickEffect">
-                                  <p:stCondLst>
-                                    <p:cond delay="0"/>
-                                  </p:stCondLst>
-                                  <p:childTnLst>
-                                    <p:set>
-                                      <p:cBhvr>
-                                        <p:cTn id="26" dur="1" fill="hold">
-                                          <p:stCondLst>
-                                            <p:cond delay="0"/>
-                                          </p:stCondLst>
-                                        </p:cTn>
-                                        <p:tgtEl>
-                                          <p:spTgt spid="3">
-                                            <p:txEl>
-                                              <p:pRg st="5" end="5"/>
-                                            </p:txEl>
-                                          </p:spTgt>
-                                        </p:tgtEl>
-                                        <p:attrNameLst>
-                                          <p:attrName>style.visibility</p:attrName>
-                                        </p:attrNameLst>
-                                      </p:cBhvr>
-                                      <p:to>
-                                        <p:strVal val="visible"/>
-                                      </p:to>
-                                    </p:set>
-                                  </p:childTnLst>
-                                </p:cTn>
-                              </p:par>
-                            </p:childTnLst>
-                          </p:cTn>
-                        </p:par>
-                      </p:childTnLst>
-                    </p:cTn>
-                  </p:par>
-                </p:childTnLst>
-              </p:cTn>
-              <p:prevCondLst>
-                <p:cond evt="onPrev" delay="0">
-                  <p:tgtEl>
-                    <p:sldTgt/>
-                  </p:tgtEl>
-                </p:cond>
-              </p:prevCondLst>
-              <p:nextCondLst>
-                <p:cond evt="onNext" delay="0">
-                  <p:tgtEl>
-                    <p:sldTgt/>
-                  </p:tgtEl>
-                </p:cond>
-              </p:nextCondLst>
-            </p:seq>
-          </p:childTnLst>
-        </p:cTn>
-      </p:par>
-    </p:tnLst>
-    <p:bldLst>
-      <p:bldP spid="3" grpId="0" uiExpand="1" build="p"/>
-    </p:bldLst>
-  </p:timing>
-</p:sld>
-</file>
-
-<file path=ppt/slides/slide21.xml><?xml version="1.0" encoding="utf-8"?>
-<p:sld xmlns:a="http://schemas.openxmlformats.org/drawingml/2006/main" xmlns:r="http://schemas.openxmlformats.org/officeDocument/2006/relationships" xmlns:p="http://schemas.openxmlformats.org/presentationml/2006/main">
-  <p:cSld>
-    <p:spTree>
-      <p:nvGrpSpPr>
-        <p:cNvPr id="1" name=""/>
-        <p:cNvGrpSpPr/>
-        <p:nvPr/>
-      </p:nvGrpSpPr>
-      <p:grpSpPr>
-        <a:xfrm>
-          <a:off x="0" y="0"/>
-          <a:ext cx="0" cy="0"/>
-          <a:chOff x="0" y="0"/>
-          <a:chExt cx="0" cy="0"/>
-        </a:xfrm>
-      </p:grpSpPr>
-      <p:sp>
-        <p:nvSpPr>
-          <p:cNvPr id="2" name="Title 1"/>
-          <p:cNvSpPr>
-            <a:spLocks noGrp="1"/>
-          </p:cNvSpPr>
-          <p:nvPr>
-            <p:ph type="title"/>
-          </p:nvPr>
-        </p:nvSpPr>
-        <p:spPr/>
-        <p:txBody>
-          <a:bodyPr/>
-          <a:lstStyle/>
-          <a:p>
-            <a:pPr lvl="0" indent="0" marL="0">
-              <a:buNone/>
-            </a:pPr>
-            <a:r>
-              <a:rPr/>
-              <a:t>Welche Inhalte wünschen Sie sich noch?</a:t>
-            </a:r>
-          </a:p>
-        </p:txBody>
-      </p:sp>
-    </p:spTree>
-  </p:cSld>
-</p:sld>
-</file>
-
-<file path=ppt/slides/slide22.xml><?xml version="1.0" encoding="utf-8"?>
-<p:sld xmlns:a="http://schemas.openxmlformats.org/drawingml/2006/main" xmlns:r="http://schemas.openxmlformats.org/officeDocument/2006/relationships" xmlns:p="http://schemas.openxmlformats.org/presentationml/2006/main">
-  <p:cSld>
-    <p:spTree>
-      <p:nvGrpSpPr>
-        <p:cNvPr id="1" name=""/>
-        <p:cNvGrpSpPr/>
-        <p:nvPr/>
-      </p:nvGrpSpPr>
-      <p:grpSpPr>
-        <a:xfrm>
-          <a:off x="0" y="0"/>
-          <a:ext cx="0" cy="0"/>
-          <a:chOff x="0" y="0"/>
-          <a:chExt cx="0" cy="0"/>
-        </a:xfrm>
-      </p:grpSpPr>
-      <p:sp>
-        <p:nvSpPr>
-          <p:cNvPr id="2" name="Title 1"/>
-          <p:cNvSpPr>
-            <a:spLocks noGrp="1"/>
-          </p:cNvSpPr>
-          <p:nvPr>
-            <p:ph type="title"/>
-          </p:nvPr>
-        </p:nvSpPr>
-        <p:spPr/>
-        <p:txBody>
-          <a:bodyPr/>
-          <a:lstStyle/>
-          <a:p>
-            <a:pPr lvl="0" indent="0" marL="0">
-              <a:buNone/>
-            </a:pPr>
-            <a:r>
-              <a:rPr/>
-              <a:t>Nächste Schritte</a:t>
-            </a:r>
-          </a:p>
-        </p:txBody>
-      </p:sp>
-      <p:sp>
-        <p:nvSpPr>
-          <p:cNvPr id="3" name="Content Placeholder 2"/>
-          <p:cNvSpPr>
-            <a:spLocks noGrp="1"/>
-          </p:cNvSpPr>
-          <p:nvPr>
-            <p:ph idx="1"/>
-          </p:nvPr>
-        </p:nvSpPr>
-        <p:spPr/>
-        <p:txBody>
-          <a:bodyPr/>
-          <a:lstStyle/>
-          <a:p>
-            <a:pPr lvl="0"/>
-            <a:r>
-              <a:rPr/>
-              <a:t>Suchen Sie sich einen Datensatz bzw. ein Thema</a:t>
-            </a:r>
-          </a:p>
-          <a:p>
-            <a:pPr lvl="0"/>
-            <a:r>
-              <a:rPr/>
-              <a:t>Überlegen Sie sich ein Ziel und passende KPIs</a:t>
-            </a:r>
-          </a:p>
-        </p:txBody>
-      </p:sp>
-    </p:spTree>
-  </p:cSld>
-  <p:timing>
-    <p:tnLst>
-      <p:par>
-        <p:cTn id="1" dur="indefinite" restart="never" nodeType="tmRoot">
-          <p:childTnLst>
-            <p:seq concurrent="1" nextAc="seek">
-              <p:cTn id="2" dur="indefinite" nodeType="mainSeq">
-                <p:childTnLst>
-                  <p:par>
-                    <p:cTn id="3" fill="hold">
-                      <p:stCondLst>
-                        <p:cond delay="indefinite"/>
-                      </p:stCondLst>
-                      <p:childTnLst>
-                        <p:par>
-                          <p:cTn id="4" fill="hold">
-                            <p:stCondLst>
-                              <p:cond delay="0"/>
-                            </p:stCondLst>
-                            <p:childTnLst>
-                              <p:par>
-                                <p:cTn id="5" presetID="1" presetClass="entr" presetSubtype="0" fill="hold" grpId="0" nodeType="clickEffect">
-                                  <p:stCondLst>
-                                    <p:cond delay="0"/>
-                                  </p:stCondLst>
-                                  <p:childTnLst>
-                                    <p:set>
-                                      <p:cBhvr>
-                                        <p:cTn id="6" dur="1" fill="hold">
-                                          <p:stCondLst>
-                                            <p:cond delay="0"/>
-                                          </p:stCondLst>
-                                        </p:cTn>
-                                        <p:tgtEl>
-                                          <p:spTgt spid="3">
-                                            <p:txEl>
-                                              <p:pRg st="0" end="0"/>
-                                            </p:txEl>
-                                          </p:spTgt>
-                                        </p:tgtEl>
-                                        <p:attrNameLst>
-                                          <p:attrName>style.visibility</p:attrName>
-                                        </p:attrNameLst>
-                                      </p:cBhvr>
-                                      <p:to>
-                                        <p:strVal val="visible"/>
-                                      </p:to>
-                                    </p:set>
-                                  </p:childTnLst>
-                                </p:cTn>
-                              </p:par>
-                            </p:childTnLst>
-                          </p:cTn>
-                        </p:par>
-                      </p:childTnLst>
-                    </p:cTn>
-                  </p:par>
-                  <p:par>
-                    <p:cTn id="7" fill="hold">
-                      <p:stCondLst>
-                        <p:cond delay="indefinite"/>
-                      </p:stCondLst>
-                      <p:childTnLst>
-                        <p:par>
-                          <p:cTn id="8" fill="hold">
-                            <p:stCondLst>
-                              <p:cond delay="0"/>
-                            </p:stCondLst>
-                            <p:childTnLst>
-                              <p:par>
-                                <p:cTn id="9" presetID="1" presetClass="entr" presetSubtype="0" fill="hold" grpId="0" nodeType="clickEffect">
-                                  <p:stCondLst>
-                                    <p:cond delay="0"/>
-                                  </p:stCondLst>
-                                  <p:childTnLst>
-                                    <p:set>
-                                      <p:cBhvr>
-                                        <p:cTn id="10" dur="1" fill="hold">
-                                          <p:stCondLst>
-                                            <p:cond delay="0"/>
-                                          </p:stCondLst>
-                                        </p:cTn>
-                                        <p:tgtEl>
-                                          <p:spTgt spid="3">
-                                            <p:txEl>
-                                              <p:pRg st="1" end="1"/>
-                                            </p:txEl>
-                                          </p:spTgt>
-                                        </p:tgtEl>
-                                        <p:attrNameLst>
-                                          <p:attrName>style.visibility</p:attrName>
-                                        </p:attrNameLst>
-                                      </p:cBhvr>
-                                      <p:to>
-                                        <p:strVal val="visible"/>
-                                      </p:to>
-                                    </p:set>
-                                  </p:childTnLst>
-                                </p:cTn>
-                              </p:par>
-                            </p:childTnLst>
-                          </p:cTn>
-                        </p:par>
-                      </p:childTnLst>
-                    </p:cTn>
-                  </p:par>
-                </p:childTnLst>
-              </p:cTn>
-              <p:prevCondLst>
-                <p:cond evt="onPrev" delay="0">
-                  <p:tgtEl>
-                    <p:sldTgt/>
-                  </p:tgtEl>
-                </p:cond>
-              </p:prevCondLst>
-              <p:nextCondLst>
-                <p:cond evt="onNext" delay="0">
-                  <p:tgtEl>
-                    <p:sldTgt/>
-                  </p:tgtEl>
-                </p:cond>
-              </p:nextCondLst>
-            </p:seq>
-          </p:childTnLst>
-        </p:cTn>
-      </p:par>
-    </p:tnLst>
-    <p:bldLst>
-      <p:bldP spid="3" grpId="0" uiExpand="1" build="p"/>
-    </p:bldLst>
-  </p:timing>
-</p:sld>
-</file>
-
-<file path=ppt/slides/slide23.xml><?xml version="1.0" encoding="utf-8"?>
-<p:sld xmlns:a="http://schemas.openxmlformats.org/drawingml/2006/main" xmlns:r="http://schemas.openxmlformats.org/officeDocument/2006/relationships" xmlns:p="http://schemas.openxmlformats.org/presentationml/2006/main">
-  <p:cSld>
-    <p:spTree>
-      <p:nvGrpSpPr>
-        <p:cNvPr id="1" name=""/>
-        <p:cNvGrpSpPr/>
-        <p:nvPr/>
-      </p:nvGrpSpPr>
-      <p:grpSpPr>
-        <a:xfrm>
-          <a:off x="0" y="0"/>
-          <a:ext cx="0" cy="0"/>
-          <a:chOff x="0" y="0"/>
-          <a:chExt cx="0" cy="0"/>
-        </a:xfrm>
-      </p:grpSpPr>
-      <p:sp>
-        <p:nvSpPr>
-          <p:cNvPr id="2" name="Title 1"/>
-          <p:cNvSpPr>
-            <a:spLocks noGrp="1"/>
-          </p:cNvSpPr>
-          <p:nvPr>
-            <p:ph type="title"/>
-          </p:nvPr>
-        </p:nvSpPr>
-        <p:spPr>
-          <a:xfrm>
-            <a:off x="722313" y="3305176"/>
-            <a:ext cx="7772400" cy="1021556"/>
-          </a:xfrm>
-        </p:spPr>
-        <p:txBody>
-          <a:bodyPr/>
-          <a:lstStyle/>
-          <a:p>
-            <a:pPr lvl="0" indent="0" marL="0">
-              <a:buNone/>
-            </a:pPr>
-            <a:r>
-              <a:rPr/>
-              <a:t>Woche 2</a:t>
-            </a:r>
-          </a:p>
-        </p:txBody>
-      </p:sp>
-    </p:spTree>
-  </p:cSld>
-</p:sld>
-</file>
-
-<file path=ppt/slides/slide3.xml><?xml version="1.0" encoding="utf-8"?>
-<p:sld xmlns:a="http://schemas.openxmlformats.org/drawingml/2006/main" xmlns:r="http://schemas.openxmlformats.org/officeDocument/2006/relationships" xmlns:p="http://schemas.openxmlformats.org/presentationml/2006/main">
-  <p:cSld>
-    <p:spTree>
-      <p:nvGrpSpPr>
-        <p:cNvPr id="1" name=""/>
-        <p:cNvGrpSpPr/>
-        <p:nvPr/>
-      </p:nvGrpSpPr>
-      <p:grpSpPr>
-        <a:xfrm>
-          <a:off x="0" y="0"/>
-          <a:ext cx="0" cy="0"/>
-          <a:chOff x="0" y="0"/>
-          <a:chExt cx="0" cy="0"/>
-        </a:xfrm>
-      </p:grpSpPr>
-      <p:sp>
-        <p:nvSpPr>
-          <p:cNvPr id="2" name="Title 1"/>
-          <p:cNvSpPr>
-            <a:spLocks noGrp="1"/>
-          </p:cNvSpPr>
-          <p:nvPr>
-            <p:ph type="title"/>
-          </p:nvPr>
-        </p:nvSpPr>
-        <p:spPr/>
-        <p:txBody>
-          <a:bodyPr/>
-          <a:lstStyle/>
-          <a:p>
-            <a:pPr lvl="0" indent="0" marL="0">
-              <a:buNone/>
-            </a:pPr>
-            <a:r>
-              <a:rPr/>
-              <a:t>Aus dem Modulhandbuch</a:t>
-            </a:r>
-          </a:p>
-        </p:txBody>
-      </p:sp>
-      <p:sp>
-        <p:nvSpPr>
-          <p:cNvPr id="3" name="Content Placeholder 2"/>
-          <p:cNvSpPr>
-            <a:spLocks noGrp="1"/>
-          </p:cNvSpPr>
-          <p:nvPr>
-            <p:ph idx="1"/>
-          </p:nvPr>
-        </p:nvSpPr>
-        <p:spPr/>
-        <p:txBody>
-          <a:bodyPr/>
-          <a:lstStyle/>
-          <a:p>
-            <a:pPr lvl="0" indent="0" marL="0">
-              <a:buNone/>
-            </a:pPr>
-            <a:r>
-              <a:rPr/>
-              <a:t>Die Studierenden können Prozesse und Strukturen in der Informations- und Medienwirtschaft implementieren und Digital-Produkte entwickeln, indem sie</a:t>
-            </a:r>
-          </a:p>
-          <a:p>
-            <a:pPr lvl="0"/>
-            <a:r>
-              <a:rPr/>
-              <a:t>digitale Inhalte, Daten- und Medienprodukte sowie interaktive Darstellungsformen beispielsweise mit Methoden der User Experience konzipieren und realisieren,</a:t>
-            </a:r>
-          </a:p>
-          <a:p>
-            <a:pPr lvl="0"/>
-            <a:r>
-              <a:rPr/>
-              <a:t>um innovative Gestaltungsformate zu etablieren und damit Zielgruppen überprüfbar zu erreichen.</a:t>
-            </a:r>
-          </a:p>
-        </p:txBody>
-      </p:sp>
-    </p:spTree>
-  </p:cSld>
-  <p:timing>
-    <p:tnLst>
-      <p:par>
-        <p:cTn id="1" dur="indefinite" restart="never" nodeType="tmRoot">
-          <p:childTnLst>
-            <p:seq concurrent="1" nextAc="seek">
-              <p:cTn id="2" dur="indefinite" nodeType="mainSeq">
-                <p:childTnLst>
-                  <p:par>
-                    <p:cTn id="3" fill="hold">
-                      <p:stCondLst>
-                        <p:cond delay="indefinite"/>
-                      </p:stCondLst>
-                      <p:childTnLst>
-                        <p:par>
-                          <p:cTn id="4" fill="hold">
-                            <p:stCondLst>
-                              <p:cond delay="0"/>
-                            </p:stCondLst>
-                            <p:childTnLst>
-                              <p:par>
-                                <p:cTn id="5" presetID="1" presetClass="entr" presetSubtype="0" fill="hold" grpId="0" nodeType="clickEffect">
-                                  <p:stCondLst>
-                                    <p:cond delay="0"/>
-                                  </p:stCondLst>
-                                  <p:childTnLst>
-                                    <p:set>
-                                      <p:cBhvr>
-                                        <p:cTn id="6" dur="1" fill="hold">
-                                          <p:stCondLst>
-                                            <p:cond delay="0"/>
-                                          </p:stCondLst>
-                                        </p:cTn>
-                                        <p:tgtEl>
-                                          <p:spTgt spid="3">
-                                            <p:txEl>
-                                              <p:pRg st="1" end="1"/>
-                                            </p:txEl>
-                                          </p:spTgt>
-                                        </p:tgtEl>
-                                        <p:attrNameLst>
-                                          <p:attrName>style.visibility</p:attrName>
-                                        </p:attrNameLst>
-                                      </p:cBhvr>
-                                      <p:to>
-                                        <p:strVal val="visible"/>
-                                      </p:to>
-                                    </p:set>
-                                  </p:childTnLst>
-                                </p:cTn>
-                              </p:par>
-                            </p:childTnLst>
-                          </p:cTn>
-                        </p:par>
-                      </p:childTnLst>
-                    </p:cTn>
-                  </p:par>
-                  <p:par>
-                    <p:cTn id="7" fill="hold">
-                      <p:stCondLst>
-                        <p:cond delay="indefinite"/>
-                      </p:stCondLst>
-                      <p:childTnLst>
-                        <p:par>
-                          <p:cTn id="8" fill="hold">
-                            <p:stCondLst>
-                              <p:cond delay="0"/>
-                            </p:stCondLst>
-                            <p:childTnLst>
-                              <p:par>
-                                <p:cTn id="9" presetID="1" presetClass="entr" presetSubtype="0" fill="hold" grpId="0" nodeType="clickEffect">
-                                  <p:stCondLst>
-                                    <p:cond delay="0"/>
-                                  </p:stCondLst>
-                                  <p:childTnLst>
-                                    <p:set>
-                                      <p:cBhvr>
-                                        <p:cTn id="10" dur="1" fill="hold">
-                                          <p:stCondLst>
-                                            <p:cond delay="0"/>
-                                          </p:stCondLst>
-                                        </p:cTn>
-                                        <p:tgtEl>
-                                          <p:spTgt spid="3">
-                                            <p:txEl>
-                                              <p:pRg st="2" end="2"/>
-                                            </p:txEl>
-                                          </p:spTgt>
-                                        </p:tgtEl>
-                                        <p:attrNameLst>
-                                          <p:attrName>style.visibility</p:attrName>
-                                        </p:attrNameLst>
-                                      </p:cBhvr>
-                                      <p:to>
-                                        <p:strVal val="visible"/>
-                                      </p:to>
-                                    </p:set>
-                                  </p:childTnLst>
-                                </p:cTn>
-                              </p:par>
-                            </p:childTnLst>
-                          </p:cTn>
-                        </p:par>
-                      </p:childTnLst>
-                    </p:cTn>
-                  </p:par>
-                </p:childTnLst>
-              </p:cTn>
-              <p:prevCondLst>
-                <p:cond evt="onPrev" delay="0">
-                  <p:tgtEl>
-                    <p:sldTgt/>
-                  </p:tgtEl>
-                </p:cond>
-              </p:prevCondLst>
-              <p:nextCondLst>
-                <p:cond evt="onNext" delay="0">
-                  <p:tgtEl>
-                    <p:sldTgt/>
-                  </p:tgtEl>
-                </p:cond>
-              </p:nextCondLst>
-            </p:seq>
-          </p:childTnLst>
-        </p:cTn>
-      </p:par>
-    </p:tnLst>
-    <p:bldLst>
-      <p:bldP spid="3" grpId="0" uiExpand="1" build="p"/>
-    </p:bldLst>
-  </p:timing>
-</p:sld>
-</file>
-
-<file path=ppt/slides/slide4.xml><?xml version="1.0" encoding="utf-8"?>
-<p:sld xmlns:a="http://schemas.openxmlformats.org/drawingml/2006/main" xmlns:r="http://schemas.openxmlformats.org/officeDocument/2006/relationships" xmlns:p="http://schemas.openxmlformats.org/presentationml/2006/main">
-  <p:cSld>
-    <p:spTree>
-      <p:nvGrpSpPr>
-        <p:cNvPr id="1" name=""/>
-        <p:cNvGrpSpPr/>
-        <p:nvPr/>
-      </p:nvGrpSpPr>
-      <p:grpSpPr>
-        <a:xfrm>
-          <a:off x="0" y="0"/>
-          <a:ext cx="0" cy="0"/>
-          <a:chOff x="0" y="0"/>
-          <a:chExt cx="0" cy="0"/>
-        </a:xfrm>
-      </p:grpSpPr>
-      <p:sp>
-        <p:nvSpPr>
-          <p:cNvPr id="2" name="Title 1"/>
-          <p:cNvSpPr>
-            <a:spLocks noGrp="1"/>
-          </p:cNvSpPr>
-          <p:nvPr>
-            <p:ph type="title"/>
-          </p:nvPr>
-        </p:nvSpPr>
-        <p:spPr/>
-        <p:txBody>
-          <a:bodyPr/>
-          <a:lstStyle/>
-          <a:p>
-            <a:pPr lvl="0" indent="0" marL="0">
-              <a:buNone/>
-            </a:pPr>
-            <a:r>
-              <a:rPr/>
-              <a:t>Aus dem Modulhandbuch, continued</a:t>
-            </a:r>
-          </a:p>
-        </p:txBody>
-      </p:sp>
-      <p:sp>
-        <p:nvSpPr>
-          <p:cNvPr id="3" name="Content Placeholder 2"/>
-          <p:cNvSpPr>
-            <a:spLocks noGrp="1"/>
-          </p:cNvSpPr>
-          <p:nvPr>
-            <p:ph idx="1"/>
-          </p:nvPr>
-        </p:nvSpPr>
-        <p:spPr/>
-        <p:txBody>
-          <a:bodyPr/>
-          <a:lstStyle/>
-          <a:p>
-            <a:pPr lvl="0" indent="0" marL="0">
-              <a:buNone/>
-            </a:pPr>
-            <a:r>
-              <a:rPr/>
-              <a:t>Die Studierenden können digitale Transformation verantwor- tungsbewusst und adressatengerecht gestalten, indem sie</a:t>
-            </a:r>
-          </a:p>
-          <a:p>
-            <a:pPr lvl="0"/>
-            <a:r>
-              <a:rPr/>
-              <a:t>Prozesse und Strukturen in der Informations- und Medienwirtschaft implementieren und digitale Produkte konzipieren und entwickeln;</a:t>
-            </a:r>
-          </a:p>
-          <a:p>
-            <a:pPr lvl="0"/>
-            <a:r>
-              <a:rPr/>
-              <a:t>Informationen, Inhalte und Datenbestände erschließen, kuratieren, aufbereiten, lizenzieren und publizieren;</a:t>
-            </a:r>
-          </a:p>
-          <a:p>
-            <a:pPr lvl="0"/>
-            <a:r>
-              <a:rPr/>
-              <a:t>Daten, digitale Medien und Technologien zielgruppenspezifisch vermitteln und kommunizieren.</a:t>
-            </a:r>
-          </a:p>
-        </p:txBody>
-      </p:sp>
-    </p:spTree>
-  </p:cSld>
-  <p:timing>
-    <p:tnLst>
-      <p:par>
-        <p:cTn id="1" dur="indefinite" restart="never" nodeType="tmRoot">
-          <p:childTnLst>
-            <p:seq concurrent="1" nextAc="seek">
-              <p:cTn id="2" dur="indefinite" nodeType="mainSeq">
-                <p:childTnLst>
-                  <p:par>
-                    <p:cTn id="3" fill="hold">
-                      <p:stCondLst>
-                        <p:cond delay="indefinite"/>
-                      </p:stCondLst>
-                      <p:childTnLst>
-                        <p:par>
-                          <p:cTn id="4" fill="hold">
-                            <p:stCondLst>
-                              <p:cond delay="0"/>
-                            </p:stCondLst>
-                            <p:childTnLst>
-                              <p:par>
-                                <p:cTn id="5" presetID="1" presetClass="entr" presetSubtype="0" fill="hold" grpId="0" nodeType="clickEffect">
-                                  <p:stCondLst>
-                                    <p:cond delay="0"/>
-                                  </p:stCondLst>
-                                  <p:childTnLst>
-                                    <p:set>
-                                      <p:cBhvr>
-                                        <p:cTn id="6" dur="1" fill="hold">
-                                          <p:stCondLst>
-                                            <p:cond delay="0"/>
-                                          </p:stCondLst>
-                                        </p:cTn>
-                                        <p:tgtEl>
-                                          <p:spTgt spid="3">
-                                            <p:txEl>
-                                              <p:pRg st="1" end="1"/>
-                                            </p:txEl>
-                                          </p:spTgt>
-                                        </p:tgtEl>
-                                        <p:attrNameLst>
-                                          <p:attrName>style.visibility</p:attrName>
-                                        </p:attrNameLst>
-                                      </p:cBhvr>
-                                      <p:to>
-                                        <p:strVal val="visible"/>
-                                      </p:to>
-                                    </p:set>
-                                  </p:childTnLst>
-                                </p:cTn>
-                              </p:par>
-                            </p:childTnLst>
-                          </p:cTn>
-                        </p:par>
-                      </p:childTnLst>
-                    </p:cTn>
-                  </p:par>
-                  <p:par>
-                    <p:cTn id="7" fill="hold">
-                      <p:stCondLst>
-                        <p:cond delay="indefinite"/>
-                      </p:stCondLst>
-                      <p:childTnLst>
-                        <p:par>
-                          <p:cTn id="8" fill="hold">
-                            <p:stCondLst>
-                              <p:cond delay="0"/>
-                            </p:stCondLst>
-                            <p:childTnLst>
-                              <p:par>
-                                <p:cTn id="9" presetID="1" presetClass="entr" presetSubtype="0" fill="hold" grpId="0" nodeType="clickEffect">
-                                  <p:stCondLst>
-                                    <p:cond delay="0"/>
-                                  </p:stCondLst>
-                                  <p:childTnLst>
-                                    <p:set>
-                                      <p:cBhvr>
-                                        <p:cTn id="10" dur="1" fill="hold">
-                                          <p:stCondLst>
-                                            <p:cond delay="0"/>
-                                          </p:stCondLst>
-                                        </p:cTn>
-                                        <p:tgtEl>
-                                          <p:spTgt spid="3">
-                                            <p:txEl>
-                                              <p:pRg st="2" end="2"/>
-                                            </p:txEl>
-                                          </p:spTgt>
-                                        </p:tgtEl>
-                                        <p:attrNameLst>
-                                          <p:attrName>style.visibility</p:attrName>
-                                        </p:attrNameLst>
-                                      </p:cBhvr>
-                                      <p:to>
-                                        <p:strVal val="visible"/>
-                                      </p:to>
-                                    </p:set>
-                                  </p:childTnLst>
-                                </p:cTn>
-                              </p:par>
-                            </p:childTnLst>
-                          </p:cTn>
-                        </p:par>
-                      </p:childTnLst>
-                    </p:cTn>
-                  </p:par>
-                  <p:par>
-                    <p:cTn id="11" fill="hold">
-                      <p:stCondLst>
-                        <p:cond delay="indefinite"/>
-                      </p:stCondLst>
-                      <p:childTnLst>
-                        <p:par>
-                          <p:cTn id="12" fill="hold">
-                            <p:stCondLst>
-                              <p:cond delay="0"/>
-                            </p:stCondLst>
-                            <p:childTnLst>
-                              <p:par>
-                                <p:cTn id="13" presetID="1" presetClass="entr" presetSubtype="0" fill="hold" grpId="0" nodeType="clickEffect">
-                                  <p:stCondLst>
-                                    <p:cond delay="0"/>
-                                  </p:stCondLst>
-                                  <p:childTnLst>
-                                    <p:set>
-                                      <p:cBhvr>
-                                        <p:cTn id="14" dur="1" fill="hold">
-                                          <p:stCondLst>
-                                            <p:cond delay="0"/>
-                                          </p:stCondLst>
-                                        </p:cTn>
-                                        <p:tgtEl>
-                                          <p:spTgt spid="3">
-                                            <p:txEl>
-                                              <p:pRg st="3" end="3"/>
-                                            </p:txEl>
-                                          </p:spTgt>
-                                        </p:tgtEl>
-                                        <p:attrNameLst>
-                                          <p:attrName>style.visibility</p:attrName>
-                                        </p:attrNameLst>
-                                      </p:cBhvr>
-                                      <p:to>
-                                        <p:strVal val="visible"/>
-                                      </p:to>
-                                    </p:set>
-                                  </p:childTnLst>
-                                </p:cTn>
-                              </p:par>
-                            </p:childTnLst>
-                          </p:cTn>
-                        </p:par>
-                      </p:childTnLst>
-                    </p:cTn>
-                  </p:par>
-                </p:childTnLst>
-              </p:cTn>
-              <p:prevCondLst>
-                <p:cond evt="onPrev" delay="0">
-                  <p:tgtEl>
-                    <p:sldTgt/>
-                  </p:tgtEl>
-                </p:cond>
-              </p:prevCondLst>
-              <p:nextCondLst>
-                <p:cond evt="onNext" delay="0">
-                  <p:tgtEl>
-                    <p:sldTgt/>
-                  </p:tgtEl>
-                </p:cond>
-              </p:nextCondLst>
-            </p:seq>
-          </p:childTnLst>
-        </p:cTn>
-      </p:par>
-    </p:tnLst>
-    <p:bldLst>
-      <p:bldP spid="3" grpId="0" uiExpand="1" build="p"/>
-    </p:bldLst>
-  </p:timing>
-</p:sld>
-</file>
-
-<file path=ppt/slides/slide5.xml><?xml version="1.0" encoding="utf-8"?>
-<p:sld xmlns:a="http://schemas.openxmlformats.org/drawingml/2006/main" xmlns:r="http://schemas.openxmlformats.org/officeDocument/2006/relationships" xmlns:p="http://schemas.openxmlformats.org/presentationml/2006/main">
-  <p:cSld>
-    <p:spTree>
-      <p:nvGrpSpPr>
-        <p:cNvPr id="1" name=""/>
-        <p:cNvGrpSpPr/>
-        <p:nvPr/>
-      </p:nvGrpSpPr>
-      <p:grpSpPr>
-        <a:xfrm>
-          <a:off x="0" y="0"/>
-          <a:ext cx="0" cy="0"/>
-          <a:chOff x="0" y="0"/>
-          <a:chExt cx="0" cy="0"/>
-        </a:xfrm>
-      </p:grpSpPr>
-      <p:sp>
-        <p:nvSpPr>
-          <p:cNvPr id="2" name="Title 1"/>
-          <p:cNvSpPr>
-            <a:spLocks noGrp="1"/>
-          </p:cNvSpPr>
-          <p:nvPr>
-            <p:ph type="title"/>
-          </p:nvPr>
-        </p:nvSpPr>
-        <p:spPr/>
-        <p:txBody>
-          <a:bodyPr/>
-          <a:lstStyle/>
-          <a:p>
-            <a:pPr lvl="0" indent="0" marL="0">
-              <a:buNone/>
-            </a:pPr>
-            <a:r>
-              <a:rPr/>
-              <a:t>Kursziele und Prüfungsleistung</a:t>
-            </a:r>
-          </a:p>
-        </p:txBody>
-      </p:sp>
-      <p:sp>
-        <p:nvSpPr>
-          <p:cNvPr id="3" name="Content Placeholder 2"/>
-          <p:cNvSpPr>
-            <a:spLocks noGrp="1"/>
-          </p:cNvSpPr>
-          <p:nvPr>
-            <p:ph idx="1"/>
-          </p:nvPr>
-        </p:nvSpPr>
-        <p:spPr/>
-        <p:txBody>
-          <a:bodyPr/>
-          <a:lstStyle/>
-          <a:p>
-            <a:pPr lvl="0"/>
-            <a:r>
-              <a:rPr/>
-              <a:t>Rolle von Daten: Unterschied zwischen Daten, Informationen und Erkenntnissen verstehen und digitale Inhalte daran ausrichten.</a:t>
-            </a:r>
-          </a:p>
-          <a:p>
-            <a:pPr lvl="0"/>
-            <a:r>
-              <a:rPr/>
-              <a:t>Datenaufbereitung: Formate (CSV, JSON, Excel …) kennen und Datenqualität sowie -bereinigung sicherstellen.</a:t>
-            </a:r>
-          </a:p>
-          <a:p>
-            <a:pPr lvl="0"/>
-            <a:r>
-              <a:rPr/>
-              <a:t>Analyse &amp; Visualisierung: Content-Daten explorativ analysieren und klar visualisieren – mit Fokus auf gute Gestaltung und Storytelling.</a:t>
-            </a:r>
-          </a:p>
-        </p:txBody>
-      </p:sp>
-    </p:spTree>
-  </p:cSld>
-  <p:timing>
-    <p:tnLst>
-      <p:par>
-        <p:cTn id="1" dur="indefinite" restart="never" nodeType="tmRoot">
-          <p:childTnLst>
-            <p:seq concurrent="1" nextAc="seek">
-              <p:cTn id="2" dur="indefinite" nodeType="mainSeq">
-                <p:childTnLst>
-                  <p:par>
-                    <p:cTn id="3" fill="hold">
-                      <p:stCondLst>
-                        <p:cond delay="indefinite"/>
-                      </p:stCondLst>
-                      <p:childTnLst>
-                        <p:par>
-                          <p:cTn id="4" fill="hold">
-                            <p:stCondLst>
-                              <p:cond delay="0"/>
-                            </p:stCondLst>
-                            <p:childTnLst>
-                              <p:par>
-                                <p:cTn id="5" presetID="1" presetClass="entr" presetSubtype="0" fill="hold" grpId="0" nodeType="clickEffect">
-                                  <p:stCondLst>
-                                    <p:cond delay="0"/>
-                                  </p:stCondLst>
-                                  <p:childTnLst>
-                                    <p:set>
-                                      <p:cBhvr>
-                                        <p:cTn id="6" dur="1" fill="hold">
-                                          <p:stCondLst>
-                                            <p:cond delay="0"/>
-                                          </p:stCondLst>
-                                        </p:cTn>
-                                        <p:tgtEl>
-                                          <p:spTgt spid="3">
-                                            <p:txEl>
-                                              <p:pRg st="0" end="0"/>
-                                            </p:txEl>
-                                          </p:spTgt>
-                                        </p:tgtEl>
-                                        <p:attrNameLst>
-                                          <p:attrName>style.visibility</p:attrName>
-                                        </p:attrNameLst>
-                                      </p:cBhvr>
-                                      <p:to>
-                                        <p:strVal val="visible"/>
-                                      </p:to>
-                                    </p:set>
-                                  </p:childTnLst>
-                                </p:cTn>
-                              </p:par>
-                            </p:childTnLst>
-                          </p:cTn>
-                        </p:par>
-                      </p:childTnLst>
-                    </p:cTn>
-                  </p:par>
-                  <p:par>
-                    <p:cTn id="7" fill="hold">
-                      <p:stCondLst>
-                        <p:cond delay="indefinite"/>
-                      </p:stCondLst>
-                      <p:childTnLst>
-                        <p:par>
-                          <p:cTn id="8" fill="hold">
-                            <p:stCondLst>
-                              <p:cond delay="0"/>
-                            </p:stCondLst>
-                            <p:childTnLst>
-                              <p:par>
-                                <p:cTn id="9" presetID="1" presetClass="entr" presetSubtype="0" fill="hold" grpId="0" nodeType="clickEffect">
-                                  <p:stCondLst>
-                                    <p:cond delay="0"/>
-                                  </p:stCondLst>
-                                  <p:childTnLst>
-                                    <p:set>
-                                      <p:cBhvr>
-                                        <p:cTn id="10" dur="1" fill="hold">
-                                          <p:stCondLst>
-                                            <p:cond delay="0"/>
-                                          </p:stCondLst>
-                                        </p:cTn>
-                                        <p:tgtEl>
-                                          <p:spTgt spid="3">
-                                            <p:txEl>
-                                              <p:pRg st="1" end="1"/>
-                                            </p:txEl>
-                                          </p:spTgt>
-                                        </p:tgtEl>
-                                        <p:attrNameLst>
-                                          <p:attrName>style.visibility</p:attrName>
-                                        </p:attrNameLst>
-                                      </p:cBhvr>
-                                      <p:to>
-                                        <p:strVal val="visible"/>
-                                      </p:to>
-                                    </p:set>
-                                  </p:childTnLst>
-                                </p:cTn>
-                              </p:par>
-                            </p:childTnLst>
-                          </p:cTn>
-                        </p:par>
-                      </p:childTnLst>
-                    </p:cTn>
-                  </p:par>
-                  <p:par>
-                    <p:cTn id="11" fill="hold">
-                      <p:stCondLst>
-                        <p:cond delay="indefinite"/>
-                      </p:stCondLst>
-                      <p:childTnLst>
-                        <p:par>
-                          <p:cTn id="12" fill="hold">
-                            <p:stCondLst>
-                              <p:cond delay="0"/>
-                            </p:stCondLst>
-                            <p:childTnLst>
-                              <p:par>
-                                <p:cTn id="13" presetID="1" presetClass="entr" presetSubtype="0" fill="hold" grpId="0" nodeType="clickEffect">
-                                  <p:stCondLst>
-                                    <p:cond delay="0"/>
-                                  </p:stCondLst>
-                                  <p:childTnLst>
-                                    <p:set>
-                                      <p:cBhvr>
-                                        <p:cTn id="14" dur="1" fill="hold">
-                                          <p:stCondLst>
-                                            <p:cond delay="0"/>
-                                          </p:stCondLst>
-                                        </p:cTn>
-                                        <p:tgtEl>
-                                          <p:spTgt spid="3">
-                                            <p:txEl>
-                                              <p:pRg st="2" end="2"/>
-                                            </p:txEl>
-                                          </p:spTgt>
-                                        </p:tgtEl>
-                                        <p:attrNameLst>
-                                          <p:attrName>style.visibility</p:attrName>
-                                        </p:attrNameLst>
-                                      </p:cBhvr>
-                                      <p:to>
-                                        <p:strVal val="visible"/>
-                                      </p:to>
-                                    </p:set>
-                                  </p:childTnLst>
-                                </p:cTn>
-                              </p:par>
-                            </p:childTnLst>
-                          </p:cTn>
-                        </p:par>
-                      </p:childTnLst>
-                    </p:cTn>
-                  </p:par>
-                </p:childTnLst>
-              </p:cTn>
-              <p:prevCondLst>
-                <p:cond evt="onPrev" delay="0">
-                  <p:tgtEl>
-                    <p:sldTgt/>
-                  </p:tgtEl>
-                </p:cond>
-              </p:prevCondLst>
-              <p:nextCondLst>
-                <p:cond evt="onNext" delay="0">
-                  <p:tgtEl>
-                    <p:sldTgt/>
-                  </p:tgtEl>
-                </p:cond>
-              </p:nextCondLst>
-            </p:seq>
-          </p:childTnLst>
-        </p:cTn>
-      </p:par>
-    </p:tnLst>
-    <p:bldLst>
-      <p:bldP spid="3" grpId="0" uiExpand="1" build="p"/>
-    </p:bldLst>
-  </p:timing>
-</p:sld>
-</file>
-
-<file path=ppt/slides/slide6.xml><?xml version="1.0" encoding="utf-8"?>
-<p:sld xmlns:a="http://schemas.openxmlformats.org/drawingml/2006/main" xmlns:r="http://schemas.openxmlformats.org/officeDocument/2006/relationships" xmlns:p="http://schemas.openxmlformats.org/presentationml/2006/main">
-  <p:cSld>
-    <p:spTree>
-      <p:nvGrpSpPr>
-        <p:cNvPr id="1" name=""/>
-        <p:cNvGrpSpPr/>
-        <p:nvPr/>
-      </p:nvGrpSpPr>
-      <p:grpSpPr>
-        <a:xfrm>
-          <a:off x="0" y="0"/>
-          <a:ext cx="0" cy="0"/>
-          <a:chOff x="0" y="0"/>
-          <a:chExt cx="0" cy="0"/>
-        </a:xfrm>
-      </p:grpSpPr>
-      <p:sp>
-        <p:nvSpPr>
-          <p:cNvPr id="2" name="Title 1"/>
-          <p:cNvSpPr>
-            <a:spLocks noGrp="1"/>
-          </p:cNvSpPr>
-          <p:nvPr>
-            <p:ph type="title"/>
-          </p:nvPr>
-        </p:nvSpPr>
-        <p:spPr/>
-        <p:txBody>
-          <a:bodyPr/>
-          <a:lstStyle/>
-          <a:p>
-            <a:pPr lvl="0" indent="0" marL="0">
-              <a:buNone/>
-            </a:pPr>
-            <a:r>
-              <a:rPr/>
-              <a:t>Kursziele und Prüfungsleistung II</a:t>
-            </a:r>
-          </a:p>
-        </p:txBody>
-      </p:sp>
-      <p:sp>
-        <p:nvSpPr>
-          <p:cNvPr id="3" name="Content Placeholder 2"/>
-          <p:cNvSpPr>
-            <a:spLocks noGrp="1"/>
-          </p:cNvSpPr>
-          <p:nvPr>
-            <p:ph idx="1"/>
-          </p:nvPr>
-        </p:nvSpPr>
-        <p:spPr/>
-        <p:txBody>
-          <a:bodyPr/>
-          <a:lstStyle/>
-          <a:p>
-            <a:pPr lvl="0"/>
-            <a:r>
-              <a:rPr/>
-              <a:t>Personalisierung und Empfehlung: Sie wenden einfache Segmentierungs‑ und Assoziationsverfahren an, um Inhalte zielgruppenspezifisch zu empfehlen.</a:t>
-            </a:r>
-          </a:p>
-          <a:p>
-            <a:pPr lvl="0"/>
-            <a:r>
-              <a:rPr/>
-              <a:t>Verantwortungsvolle Analyse: Sie reflektieren Bias, Repräsentativität und ethische Aspekte in der Analyse von Nutzungsdaten.</a:t>
-            </a:r>
-          </a:p>
-          <a:p>
-            <a:pPr lvl="0"/>
-            <a:r>
-              <a:rPr/>
-              <a:t>Prüfungsleistung: 20‑minütiges Referat (mündliche Prüfung) und/oder 3–5‑seitiger Kurzbericht (schriftliche Prüfung): Analyse eines Content‑Datensatzes, inkl. Datenaufbereitung, Visualisierung, Erkenntnisse und Reflexion).</a:t>
-            </a:r>
-          </a:p>
-        </p:txBody>
-      </p:sp>
-    </p:spTree>
-  </p:cSld>
-  <p:timing>
-    <p:tnLst>
-      <p:par>
-        <p:cTn id="1" dur="indefinite" restart="never" nodeType="tmRoot">
-          <p:childTnLst>
-            <p:seq concurrent="1" nextAc="seek">
-              <p:cTn id="2" dur="indefinite" nodeType="mainSeq">
-                <p:childTnLst>
-                  <p:par>
-                    <p:cTn id="3" fill="hold">
-                      <p:stCondLst>
-                        <p:cond delay="indefinite"/>
-                      </p:stCondLst>
-                      <p:childTnLst>
-                        <p:par>
-                          <p:cTn id="4" fill="hold">
-                            <p:stCondLst>
-                              <p:cond delay="0"/>
-                            </p:stCondLst>
-                            <p:childTnLst>
-                              <p:par>
-                                <p:cTn id="5" presetID="1" presetClass="entr" presetSubtype="0" fill="hold" grpId="0" nodeType="clickEffect">
-                                  <p:stCondLst>
-                                    <p:cond delay="0"/>
-                                  </p:stCondLst>
-                                  <p:childTnLst>
-                                    <p:set>
-                                      <p:cBhvr>
-                                        <p:cTn id="6" dur="1" fill="hold">
-                                          <p:stCondLst>
-                                            <p:cond delay="0"/>
-                                          </p:stCondLst>
-                                        </p:cTn>
-                                        <p:tgtEl>
-                                          <p:spTgt spid="3">
-                                            <p:txEl>
-                                              <p:pRg st="0" end="0"/>
-                                            </p:txEl>
-                                          </p:spTgt>
-                                        </p:tgtEl>
-                                        <p:attrNameLst>
-                                          <p:attrName>style.visibility</p:attrName>
-                                        </p:attrNameLst>
-                                      </p:cBhvr>
-                                      <p:to>
-                                        <p:strVal val="visible"/>
-                                      </p:to>
-                                    </p:set>
-                                  </p:childTnLst>
-                                </p:cTn>
-                              </p:par>
-                            </p:childTnLst>
-                          </p:cTn>
-                        </p:par>
-                      </p:childTnLst>
-                    </p:cTn>
-                  </p:par>
-                  <p:par>
-                    <p:cTn id="7" fill="hold">
-                      <p:stCondLst>
-                        <p:cond delay="indefinite"/>
-                      </p:stCondLst>
-                      <p:childTnLst>
-                        <p:par>
-                          <p:cTn id="8" fill="hold">
-                            <p:stCondLst>
-                              <p:cond delay="0"/>
-                            </p:stCondLst>
-                            <p:childTnLst>
-                              <p:par>
-                                <p:cTn id="9" presetID="1" presetClass="entr" presetSubtype="0" fill="hold" grpId="0" nodeType="clickEffect">
-                                  <p:stCondLst>
-                                    <p:cond delay="0"/>
-                                  </p:stCondLst>
-                                  <p:childTnLst>
-                                    <p:set>
-                                      <p:cBhvr>
-                                        <p:cTn id="10" dur="1" fill="hold">
-                                          <p:stCondLst>
-                                            <p:cond delay="0"/>
-                                          </p:stCondLst>
-                                        </p:cTn>
-                                        <p:tgtEl>
-                                          <p:spTgt spid="3">
-                                            <p:txEl>
-                                              <p:pRg st="1" end="1"/>
-                                            </p:txEl>
-                                          </p:spTgt>
-                                        </p:tgtEl>
-                                        <p:attrNameLst>
-                                          <p:attrName>style.visibility</p:attrName>
-                                        </p:attrNameLst>
-                                      </p:cBhvr>
-                                      <p:to>
-                                        <p:strVal val="visible"/>
-                                      </p:to>
-                                    </p:set>
-                                  </p:childTnLst>
-                                </p:cTn>
-                              </p:par>
-                            </p:childTnLst>
-                          </p:cTn>
-                        </p:par>
-                      </p:childTnLst>
-                    </p:cTn>
-                  </p:par>
-                  <p:par>
-                    <p:cTn id="11" fill="hold">
-                      <p:stCondLst>
-                        <p:cond delay="indefinite"/>
-                      </p:stCondLst>
-                      <p:childTnLst>
-                        <p:par>
-                          <p:cTn id="12" fill="hold">
-                            <p:stCondLst>
-                              <p:cond delay="0"/>
-                            </p:stCondLst>
-                            <p:childTnLst>
-                              <p:par>
-                                <p:cTn id="13" presetID="1" presetClass="entr" presetSubtype="0" fill="hold" grpId="0" nodeType="clickEffect">
-                                  <p:stCondLst>
-                                    <p:cond delay="0"/>
-                                  </p:stCondLst>
-                                  <p:childTnLst>
-                                    <p:set>
-                                      <p:cBhvr>
-                                        <p:cTn id="14" dur="1" fill="hold">
-                                          <p:stCondLst>
-                                            <p:cond delay="0"/>
-                                          </p:stCondLst>
-                                        </p:cTn>
-                                        <p:tgtEl>
-                                          <p:spTgt spid="3">
-                                            <p:txEl>
-                                              <p:pRg st="2" end="2"/>
-                                            </p:txEl>
-                                          </p:spTgt>
-                                        </p:tgtEl>
-                                        <p:attrNameLst>
-                                          <p:attrName>style.visibility</p:attrName>
-                                        </p:attrNameLst>
-                                      </p:cBhvr>
-                                      <p:to>
-                                        <p:strVal val="visible"/>
-                                      </p:to>
-                                    </p:set>
-                                  </p:childTnLst>
-                                </p:cTn>
-                              </p:par>
-                            </p:childTnLst>
-                          </p:cTn>
-                        </p:par>
-                      </p:childTnLst>
-                    </p:cTn>
-                  </p:par>
-                </p:childTnLst>
-              </p:cTn>
-              <p:prevCondLst>
-                <p:cond evt="onPrev" delay="0">
-                  <p:tgtEl>
-                    <p:sldTgt/>
-                  </p:tgtEl>
-                </p:cond>
-              </p:prevCondLst>
-              <p:nextCondLst>
-                <p:cond evt="onNext" delay="0">
-                  <p:tgtEl>
-                    <p:sldTgt/>
-                  </p:tgtEl>
-                </p:cond>
-              </p:nextCondLst>
-            </p:seq>
-          </p:childTnLst>
-        </p:cTn>
-      </p:par>
-    </p:tnLst>
-    <p:bldLst>
-      <p:bldP spid="3" grpId="0" uiExpand="1" build="p"/>
-    </p:bldLst>
-  </p:timing>
-</p:sld>
-</file>
-
-<file path=ppt/slides/slide7.xml><?xml version="1.0" encoding="utf-8"?>
-<p:sld xmlns:a="http://schemas.openxmlformats.org/drawingml/2006/main" xmlns:r="http://schemas.openxmlformats.org/officeDocument/2006/relationships" xmlns:p="http://schemas.openxmlformats.org/presentationml/2006/main">
-  <p:cSld>
-    <p:spTree>
-      <p:nvGrpSpPr>
-        <p:cNvPr id="1" name=""/>
-        <p:cNvGrpSpPr/>
-        <p:nvPr/>
-      </p:nvGrpSpPr>
-      <p:grpSpPr>
-        <a:xfrm>
-          <a:off x="0" y="0"/>
-          <a:ext cx="0" cy="0"/>
-          <a:chOff x="0" y="0"/>
-          <a:chExt cx="0" cy="0"/>
-        </a:xfrm>
-      </p:grpSpPr>
-      <p:sp>
-        <p:nvSpPr>
-          <p:cNvPr id="2" name="Title 1"/>
-          <p:cNvSpPr>
-            <a:spLocks noGrp="1"/>
-          </p:cNvSpPr>
-          <p:nvPr>
-            <p:ph type="title"/>
-          </p:nvPr>
-        </p:nvSpPr>
-        <p:spPr/>
-        <p:txBody>
-          <a:bodyPr/>
-          <a:lstStyle/>
-          <a:p>
-            <a:pPr lvl="0" indent="0" marL="0">
-              <a:buNone/>
-            </a:pPr>
-            <a:r>
-              <a:rPr/>
-              <a:t>Logistik</a:t>
-            </a:r>
-          </a:p>
-        </p:txBody>
-      </p:sp>
-      <p:sp>
-        <p:nvSpPr>
-          <p:cNvPr id="3" name="Content Placeholder 2"/>
-          <p:cNvSpPr>
-            <a:spLocks noGrp="1"/>
-          </p:cNvSpPr>
-          <p:nvPr>
-            <p:ph idx="1"/>
-          </p:nvPr>
-        </p:nvSpPr>
-        <p:spPr/>
-        <p:txBody>
-          <a:bodyPr/>
-          <a:lstStyle/>
-          <a:p>
-            <a:pPr lvl="0"/>
-            <a:r>
-              <a:rPr/>
-              <a:t>Keine Anwesenheitspflicht</a:t>
-            </a:r>
-          </a:p>
-          <a:p>
-            <a:pPr lvl="0"/>
-            <a:r>
-              <a:rPr/>
-              <a:t>Teilnahme auch online möglich</a:t>
-            </a:r>
-          </a:p>
-          <a:p>
-            <a:pPr lvl="0"/>
-            <a:r>
-              <a:rPr/>
-              <a:t>Moodle Einschreibepasswort: CommanderData!</a:t>
-            </a:r>
-          </a:p>
-          <a:p>
-            <a:pPr lvl="0"/>
-            <a:r>
-              <a:rPr/>
-              <a:t>Sie entscheiden selbst, wie viel Sie hier im Kurs mitnehmen wollen - Ich mache nur Angebote</a:t>
-            </a:r>
-          </a:p>
-          <a:p>
-            <a:pPr lvl="0"/>
-            <a:r>
-              <a:rPr/>
-              <a:t>ChatGPT &amp; Co sind ausdrücklich erlaubt, aber Sie müssen das Protokoll teilen</a:t>
-            </a:r>
-          </a:p>
-        </p:txBody>
-      </p:sp>
-    </p:spTree>
-  </p:cSld>
-  <p:timing>
-    <p:tnLst>
-      <p:par>
-        <p:cTn id="1" dur="indefinite" restart="never" nodeType="tmRoot">
-          <p:childTnLst>
-            <p:seq concurrent="1" nextAc="seek">
-              <p:cTn id="2" dur="indefinite" nodeType="mainSeq">
-                <p:childTnLst>
-                  <p:par>
-                    <p:cTn id="3" fill="hold">
-                      <p:stCondLst>
-                        <p:cond delay="indefinite"/>
-                      </p:stCondLst>
-                      <p:childTnLst>
-                        <p:par>
-                          <p:cTn id="4" fill="hold">
-                            <p:stCondLst>
-                              <p:cond delay="0"/>
-                            </p:stCondLst>
-                            <p:childTnLst>
-                              <p:par>
-                                <p:cTn id="5" presetID="1" presetClass="entr" presetSubtype="0" fill="hold" grpId="0" nodeType="clickEffect">
-                                  <p:stCondLst>
-                                    <p:cond delay="0"/>
-                                  </p:stCondLst>
-                                  <p:childTnLst>
-                                    <p:set>
-                                      <p:cBhvr>
-                                        <p:cTn id="6" dur="1" fill="hold">
-                                          <p:stCondLst>
-                                            <p:cond delay="0"/>
-                                          </p:stCondLst>
-                                        </p:cTn>
-                                        <p:tgtEl>
-                                          <p:spTgt spid="3">
-                                            <p:txEl>
-                                              <p:pRg st="0" end="0"/>
-                                            </p:txEl>
-                                          </p:spTgt>
-                                        </p:tgtEl>
-                                        <p:attrNameLst>
-                                          <p:attrName>style.visibility</p:attrName>
-                                        </p:attrNameLst>
-                                      </p:cBhvr>
-                                      <p:to>
-                                        <p:strVal val="visible"/>
-                                      </p:to>
-                                    </p:set>
-                                  </p:childTnLst>
-                                </p:cTn>
-                              </p:par>
-                            </p:childTnLst>
-                          </p:cTn>
-                        </p:par>
-                      </p:childTnLst>
-                    </p:cTn>
-                  </p:par>
-                  <p:par>
-                    <p:cTn id="7" fill="hold">
-                      <p:stCondLst>
-                        <p:cond delay="indefinite"/>
-                      </p:stCondLst>
-                      <p:childTnLst>
-                        <p:par>
-                          <p:cTn id="8" fill="hold">
-                            <p:stCondLst>
-                              <p:cond delay="0"/>
-                            </p:stCondLst>
-                            <p:childTnLst>
-                              <p:par>
-                                <p:cTn id="9" presetID="1" presetClass="entr" presetSubtype="0" fill="hold" grpId="0" nodeType="clickEffect">
-                                  <p:stCondLst>
-                                    <p:cond delay="0"/>
-                                  </p:stCondLst>
-                                  <p:childTnLst>
-                                    <p:set>
-                                      <p:cBhvr>
-                                        <p:cTn id="10" dur="1" fill="hold">
-                                          <p:stCondLst>
-                                            <p:cond delay="0"/>
-                                          </p:stCondLst>
-                                        </p:cTn>
-                                        <p:tgtEl>
-                                          <p:spTgt spid="3">
-                                            <p:txEl>
-                                              <p:pRg st="1" end="1"/>
-                                            </p:txEl>
-                                          </p:spTgt>
-                                        </p:tgtEl>
-                                        <p:attrNameLst>
-                                          <p:attrName>style.visibility</p:attrName>
-                                        </p:attrNameLst>
-                                      </p:cBhvr>
-                                      <p:to>
-                                        <p:strVal val="visible"/>
-                                      </p:to>
-                                    </p:set>
-                                  </p:childTnLst>
-                                </p:cTn>
-                              </p:par>
-                            </p:childTnLst>
-                          </p:cTn>
-                        </p:par>
-                      </p:childTnLst>
-                    </p:cTn>
-                  </p:par>
-                  <p:par>
-                    <p:cTn id="11" fill="hold">
-                      <p:stCondLst>
-                        <p:cond delay="indefinite"/>
-                      </p:stCondLst>
-                      <p:childTnLst>
-                        <p:par>
-                          <p:cTn id="12" fill="hold">
-                            <p:stCondLst>
-                              <p:cond delay="0"/>
-                            </p:stCondLst>
-                            <p:childTnLst>
-                              <p:par>
-                                <p:cTn id="13" presetID="1" presetClass="entr" presetSubtype="0" fill="hold" grpId="0" nodeType="clickEffect">
-                                  <p:stCondLst>
-                                    <p:cond delay="0"/>
-                                  </p:stCondLst>
-                                  <p:childTnLst>
-                                    <p:set>
-                                      <p:cBhvr>
-                                        <p:cTn id="14" dur="1" fill="hold">
-                                          <p:stCondLst>
-                                            <p:cond delay="0"/>
-                                          </p:stCondLst>
-                                        </p:cTn>
-                                        <p:tgtEl>
-                                          <p:spTgt spid="3">
-                                            <p:txEl>
-                                              <p:pRg st="2" end="2"/>
-                                            </p:txEl>
-                                          </p:spTgt>
-                                        </p:tgtEl>
-                                        <p:attrNameLst>
-                                          <p:attrName>style.visibility</p:attrName>
-                                        </p:attrNameLst>
-                                      </p:cBhvr>
-                                      <p:to>
-                                        <p:strVal val="visible"/>
-                                      </p:to>
-                                    </p:set>
-                                  </p:childTnLst>
-                                </p:cTn>
-                              </p:par>
-                            </p:childTnLst>
-                          </p:cTn>
-                        </p:par>
-                      </p:childTnLst>
-                    </p:cTn>
-                  </p:par>
-                  <p:par>
-                    <p:cTn id="15" fill="hold">
-                      <p:stCondLst>
-                        <p:cond delay="indefinite"/>
-                      </p:stCondLst>
-                      <p:childTnLst>
-                        <p:par>
-                          <p:cTn id="16" fill="hold">
-                            <p:stCondLst>
-                              <p:cond delay="0"/>
-                            </p:stCondLst>
-                            <p:childTnLst>
-                              <p:par>
-                                <p:cTn id="17" presetID="1" presetClass="entr" presetSubtype="0" fill="hold" grpId="0" nodeType="clickEffect">
-                                  <p:stCondLst>
-                                    <p:cond delay="0"/>
-                                  </p:stCondLst>
-                                  <p:childTnLst>
-                                    <p:set>
-                                      <p:cBhvr>
-                                        <p:cTn id="18" dur="1" fill="hold">
-                                          <p:stCondLst>
-                                            <p:cond delay="0"/>
-                                          </p:stCondLst>
-                                        </p:cTn>
-                                        <p:tgtEl>
-                                          <p:spTgt spid="3">
-                                            <p:txEl>
-                                              <p:pRg st="3" end="3"/>
-                                            </p:txEl>
-                                          </p:spTgt>
-                                        </p:tgtEl>
-                                        <p:attrNameLst>
-                                          <p:attrName>style.visibility</p:attrName>
-                                        </p:attrNameLst>
-                                      </p:cBhvr>
-                                      <p:to>
-                                        <p:strVal val="visible"/>
-                                      </p:to>
-                                    </p:set>
-                                  </p:childTnLst>
-                                </p:cTn>
-                              </p:par>
-                            </p:childTnLst>
-                          </p:cTn>
-                        </p:par>
-                      </p:childTnLst>
-                    </p:cTn>
-                  </p:par>
-                  <p:par>
-                    <p:cTn id="19" fill="hold">
-                      <p:stCondLst>
-                        <p:cond delay="indefinite"/>
-                      </p:stCondLst>
-                      <p:childTnLst>
-                        <p:par>
-                          <p:cTn id="20" fill="hold">
-                            <p:stCondLst>
-                              <p:cond delay="0"/>
-                            </p:stCondLst>
-                            <p:childTnLst>
-                              <p:par>
-                                <p:cTn id="21" presetID="1" presetClass="entr" presetSubtype="0" fill="hold" grpId="0" nodeType="clickEffect">
-                                  <p:stCondLst>
-                                    <p:cond delay="0"/>
-                                  </p:stCondLst>
-                                  <p:childTnLst>
-                                    <p:set>
-                                      <p:cBhvr>
-                                        <p:cTn id="22" dur="1" fill="hold">
-                                          <p:stCondLst>
-                                            <p:cond delay="0"/>
-                                          </p:stCondLst>
-                                        </p:cTn>
-                                        <p:tgtEl>
-                                          <p:spTgt spid="3">
-                                            <p:txEl>
-                                              <p:pRg st="4" end="4"/>
-                                            </p:txEl>
-                                          </p:spTgt>
-                                        </p:tgtEl>
-                                        <p:attrNameLst>
-                                          <p:attrName>style.visibility</p:attrName>
-                                        </p:attrNameLst>
-                                      </p:cBhvr>
-                                      <p:to>
-                                        <p:strVal val="visible"/>
-                                      </p:to>
-                                    </p:set>
-                                  </p:childTnLst>
-                                </p:cTn>
-                              </p:par>
-                            </p:childTnLst>
-                          </p:cTn>
-                        </p:par>
-                      </p:childTnLst>
-                    </p:cTn>
-                  </p:par>
                 </p:childTnLst>
               </p:cTn>
               <p:prevCondLst>
@@ -7475,7 +6978,7 @@
             </a:pPr>
             <a:r>
               <a:rPr/>
-              <a:t>Warum erstellen wir Inhalte?</a:t>
+              <a:t>Definitionen: Was sind digitale Inhalte, Daten- und Medienprodukte?</a:t>
             </a:r>
           </a:p>
         </p:txBody>
@@ -7522,7 +7025,7 @@
             </a:pPr>
             <a:r>
               <a:rPr/>
-              <a:t>Wie messen wir den Erfolg? Was ist Erfolg?</a:t>
+              <a:t>Definitionen: Was sind “innovative Gestaltungsformate”?</a:t>
             </a:r>
           </a:p>
         </p:txBody>
